--- a/Course #1 Neural Networks and Deep Learning/Neural Networks/NeuralNetworkModel.pptx
+++ b/Course #1 Neural Networks and Deep Learning/Neural Networks/NeuralNetworkModel.pptx
@@ -5,7 +5,7 @@
     <p:sldMasterId id="2147483660" r:id="rId1"/>
   </p:sldMasterIdLst>
   <p:notesMasterIdLst>
-    <p:notesMasterId r:id="rId7"/>
+    <p:notesMasterId r:id="rId8"/>
   </p:notesMasterIdLst>
   <p:sldIdLst>
     <p:sldId id="256" r:id="rId2"/>
@@ -13,6 +13,7 @@
     <p:sldId id="258" r:id="rId4"/>
     <p:sldId id="259" r:id="rId5"/>
     <p:sldId id="260" r:id="rId6"/>
+    <p:sldId id="261" r:id="rId7"/>
   </p:sldIdLst>
   <p:sldSz cx="9144000" cy="5715000" type="screen16x10"/>
   <p:notesSz cx="6858000" cy="9144000"/>
@@ -201,7 +202,7 @@
           <a:p>
             <a:fld id="{D78D4EE9-BC62-4157-B46F-F3B8F85B9FD4}" type="datetimeFigureOut">
               <a:rPr lang="en-US" smtClean="0"/>
-              <a:t>9/5/2020</a:t>
+              <a:t>9/7/2020</a:t>
             </a:fld>
             <a:endParaRPr lang="en-US"/>
           </a:p>
@@ -683,7 +684,7 @@
           <a:p>
             <a:fld id="{6D0F423D-5BBC-4A38-9EEC-A29618DC73DC}" type="datetimeFigureOut">
               <a:rPr lang="en-US" smtClean="0"/>
-              <a:t>9/5/2020</a:t>
+              <a:t>9/7/2020</a:t>
             </a:fld>
             <a:endParaRPr lang="en-US"/>
           </a:p>
@@ -853,7 +854,7 @@
           <a:p>
             <a:fld id="{6D0F423D-5BBC-4A38-9EEC-A29618DC73DC}" type="datetimeFigureOut">
               <a:rPr lang="en-US" smtClean="0"/>
-              <a:t>9/5/2020</a:t>
+              <a:t>9/7/2020</a:t>
             </a:fld>
             <a:endParaRPr lang="en-US"/>
           </a:p>
@@ -1033,7 +1034,7 @@
           <a:p>
             <a:fld id="{6D0F423D-5BBC-4A38-9EEC-A29618DC73DC}" type="datetimeFigureOut">
               <a:rPr lang="en-US" smtClean="0"/>
-              <a:t>9/5/2020</a:t>
+              <a:t>9/7/2020</a:t>
             </a:fld>
             <a:endParaRPr lang="en-US"/>
           </a:p>
@@ -1203,7 +1204,7 @@
           <a:p>
             <a:fld id="{6D0F423D-5BBC-4A38-9EEC-A29618DC73DC}" type="datetimeFigureOut">
               <a:rPr lang="en-US" smtClean="0"/>
-              <a:t>9/5/2020</a:t>
+              <a:t>9/7/2020</a:t>
             </a:fld>
             <a:endParaRPr lang="en-US"/>
           </a:p>
@@ -1449,7 +1450,7 @@
           <a:p>
             <a:fld id="{6D0F423D-5BBC-4A38-9EEC-A29618DC73DC}" type="datetimeFigureOut">
               <a:rPr lang="en-US" smtClean="0"/>
-              <a:t>9/5/2020</a:t>
+              <a:t>9/7/2020</a:t>
             </a:fld>
             <a:endParaRPr lang="en-US"/>
           </a:p>
@@ -1681,7 +1682,7 @@
           <a:p>
             <a:fld id="{6D0F423D-5BBC-4A38-9EEC-A29618DC73DC}" type="datetimeFigureOut">
               <a:rPr lang="en-US" smtClean="0"/>
-              <a:t>9/5/2020</a:t>
+              <a:t>9/7/2020</a:t>
             </a:fld>
             <a:endParaRPr lang="en-US"/>
           </a:p>
@@ -2048,7 +2049,7 @@
           <a:p>
             <a:fld id="{6D0F423D-5BBC-4A38-9EEC-A29618DC73DC}" type="datetimeFigureOut">
               <a:rPr lang="en-US" smtClean="0"/>
-              <a:t>9/5/2020</a:t>
+              <a:t>9/7/2020</a:t>
             </a:fld>
             <a:endParaRPr lang="en-US"/>
           </a:p>
@@ -2166,7 +2167,7 @@
           <a:p>
             <a:fld id="{6D0F423D-5BBC-4A38-9EEC-A29618DC73DC}" type="datetimeFigureOut">
               <a:rPr lang="en-US" smtClean="0"/>
-              <a:t>9/5/2020</a:t>
+              <a:t>9/7/2020</a:t>
             </a:fld>
             <a:endParaRPr lang="en-US"/>
           </a:p>
@@ -2261,7 +2262,7 @@
           <a:p>
             <a:fld id="{6D0F423D-5BBC-4A38-9EEC-A29618DC73DC}" type="datetimeFigureOut">
               <a:rPr lang="en-US" smtClean="0"/>
-              <a:t>9/5/2020</a:t>
+              <a:t>9/7/2020</a:t>
             </a:fld>
             <a:endParaRPr lang="en-US"/>
           </a:p>
@@ -2538,7 +2539,7 @@
           <a:p>
             <a:fld id="{6D0F423D-5BBC-4A38-9EEC-A29618DC73DC}" type="datetimeFigureOut">
               <a:rPr lang="en-US" smtClean="0"/>
-              <a:t>9/5/2020</a:t>
+              <a:t>9/7/2020</a:t>
             </a:fld>
             <a:endParaRPr lang="en-US"/>
           </a:p>
@@ -2795,7 +2796,7 @@
           <a:p>
             <a:fld id="{6D0F423D-5BBC-4A38-9EEC-A29618DC73DC}" type="datetimeFigureOut">
               <a:rPr lang="en-US" smtClean="0"/>
-              <a:t>9/5/2020</a:t>
+              <a:t>9/7/2020</a:t>
             </a:fld>
             <a:endParaRPr lang="en-US"/>
           </a:p>
@@ -3008,7 +3009,7 @@
           <a:p>
             <a:fld id="{6D0F423D-5BBC-4A38-9EEC-A29618DC73DC}" type="datetimeFigureOut">
               <a:rPr lang="en-US" smtClean="0"/>
-              <a:t>9/5/2020</a:t>
+              <a:t>9/7/2020</a:t>
             </a:fld>
             <a:endParaRPr lang="en-US"/>
           </a:p>
@@ -13135,7 +13136,7 @@
           <p:cNvPr id="2" name="TextBox 1">
             <a:extLst>
               <a:ext uri="{FF2B5EF4-FFF2-40B4-BE49-F238E27FC236}">
-                <a16:creationId xmlns="" xmlns:a16="http://schemas.microsoft.com/office/drawing/2014/main" id="{007E8FCC-8956-4B08-A4A9-79B0077EA337}"/>
+                <a16:creationId xmlns:a16="http://schemas.microsoft.com/office/drawing/2014/main" xmlns="" id="{007E8FCC-8956-4B08-A4A9-79B0077EA337}"/>
               </a:ext>
             </a:extLst>
           </p:cNvPr>
@@ -16508,7 +16509,7 @@
               <p:cNvPr id="8" name="Rectangle 7">
                 <a:extLst>
                   <a:ext uri="{FF2B5EF4-FFF2-40B4-BE49-F238E27FC236}">
-                    <a16:creationId xmlns="" xmlns:a16="http://schemas.microsoft.com/office/drawing/2014/main" id="{3FD6548F-0CE4-43E4-B0AA-D418081DDF31}"/>
+                    <a16:creationId xmlns:a16="http://schemas.microsoft.com/office/drawing/2014/main" xmlns="" id="{3FD6548F-0CE4-43E4-B0AA-D418081DDF31}"/>
                   </a:ext>
                 </a:extLst>
               </p:cNvPr>
@@ -16961,7 +16962,7 @@
               <p:cNvPr id="11" name="Rectangle 10">
                 <a:extLst>
                   <a:ext uri="{FF2B5EF4-FFF2-40B4-BE49-F238E27FC236}">
-                    <a16:creationId xmlns="" xmlns:a16="http://schemas.microsoft.com/office/drawing/2014/main" id="{B96BF045-F75F-467B-8376-CA9A9158041C}"/>
+                    <a16:creationId xmlns:a16="http://schemas.microsoft.com/office/drawing/2014/main" xmlns="" id="{B96BF045-F75F-467B-8376-CA9A9158041C}"/>
                   </a:ext>
                 </a:extLst>
               </p:cNvPr>
@@ -17648,7 +17649,7 @@
               <p:cNvPr id="12" name="Rectangle 11">
                 <a:extLst>
                   <a:ext uri="{FF2B5EF4-FFF2-40B4-BE49-F238E27FC236}">
-                    <a16:creationId xmlns="" xmlns:a16="http://schemas.microsoft.com/office/drawing/2014/main" id="{B480C23F-5A53-4B61-98F2-DB21998D664B}"/>
+                    <a16:creationId xmlns:a16="http://schemas.microsoft.com/office/drawing/2014/main" xmlns="" id="{B480C23F-5A53-4B61-98F2-DB21998D664B}"/>
                   </a:ext>
                 </a:extLst>
               </p:cNvPr>
@@ -18547,7 +18548,7 @@
           <p:cNvPr id="2" name="Rectangle 1">
             <a:extLst>
               <a:ext uri="{FF2B5EF4-FFF2-40B4-BE49-F238E27FC236}">
-                <a16:creationId xmlns="" xmlns:a16="http://schemas.microsoft.com/office/drawing/2014/main" id="{23AE3C8C-39E1-436C-A815-F6AC8E164EFF}"/>
+                <a16:creationId xmlns:a16="http://schemas.microsoft.com/office/drawing/2014/main" xmlns="" id="{23AE3C8C-39E1-436C-A815-F6AC8E164EFF}"/>
               </a:ext>
             </a:extLst>
           </p:cNvPr>
@@ -18599,7 +18600,7 @@
           <p:cNvPr id="13" name="Rectangle 12">
             <a:extLst>
               <a:ext uri="{FF2B5EF4-FFF2-40B4-BE49-F238E27FC236}">
-                <a16:creationId xmlns="" xmlns:a16="http://schemas.microsoft.com/office/drawing/2014/main" id="{1CD70713-A18C-488A-826C-6133047649F7}"/>
+                <a16:creationId xmlns:a16="http://schemas.microsoft.com/office/drawing/2014/main" xmlns="" id="{1CD70713-A18C-488A-826C-6133047649F7}"/>
               </a:ext>
             </a:extLst>
           </p:cNvPr>
@@ -18651,7 +18652,7 @@
           <p:cNvPr id="14" name="Rectangle 13">
             <a:extLst>
               <a:ext uri="{FF2B5EF4-FFF2-40B4-BE49-F238E27FC236}">
-                <a16:creationId xmlns="" xmlns:a16="http://schemas.microsoft.com/office/drawing/2014/main" id="{12B948A3-3A39-4888-BCC0-8FD874CDF61E}"/>
+                <a16:creationId xmlns:a16="http://schemas.microsoft.com/office/drawing/2014/main" xmlns="" id="{12B948A3-3A39-4888-BCC0-8FD874CDF61E}"/>
               </a:ext>
             </a:extLst>
           </p:cNvPr>
@@ -18705,7 +18706,7 @@
               <p:cNvPr id="3" name="TextBox 2">
                 <a:extLst>
                   <a:ext uri="{FF2B5EF4-FFF2-40B4-BE49-F238E27FC236}">
-                    <a16:creationId xmlns="" xmlns:a16="http://schemas.microsoft.com/office/drawing/2014/main" id="{7956414D-5231-4984-90B2-D2F728B24FFB}"/>
+                    <a16:creationId xmlns:a16="http://schemas.microsoft.com/office/drawing/2014/main" xmlns="" id="{7956414D-5231-4984-90B2-D2F728B24FFB}"/>
                   </a:ext>
                 </a:extLst>
               </p:cNvPr>
@@ -18830,7 +18831,7 @@
               <p:cNvPr id="15" name="TextBox 14">
                 <a:extLst>
                   <a:ext uri="{FF2B5EF4-FFF2-40B4-BE49-F238E27FC236}">
-                    <a16:creationId xmlns="" xmlns:a16="http://schemas.microsoft.com/office/drawing/2014/main" id="{03D2A3F5-C83A-46AE-B3DE-475B7B3EC388}"/>
+                    <a16:creationId xmlns:a16="http://schemas.microsoft.com/office/drawing/2014/main" xmlns="" id="{03D2A3F5-C83A-46AE-B3DE-475B7B3EC388}"/>
                   </a:ext>
                 </a:extLst>
               </p:cNvPr>
@@ -18964,7 +18965,7 @@
               <p:cNvPr id="16" name="TextBox 15">
                 <a:extLst>
                   <a:ext uri="{FF2B5EF4-FFF2-40B4-BE49-F238E27FC236}">
-                    <a16:creationId xmlns="" xmlns:a16="http://schemas.microsoft.com/office/drawing/2014/main" id="{B5D46CFC-BE8E-4F5D-9C1C-7A1235CE2B13}"/>
+                    <a16:creationId xmlns:a16="http://schemas.microsoft.com/office/drawing/2014/main" xmlns="" id="{B5D46CFC-BE8E-4F5D-9C1C-7A1235CE2B13}"/>
                   </a:ext>
                 </a:extLst>
               </p:cNvPr>
@@ -19098,7 +19099,7 @@
               <p:cNvPr id="17" name="Rectangle 16">
                 <a:extLst>
                   <a:ext uri="{FF2B5EF4-FFF2-40B4-BE49-F238E27FC236}">
-                    <a16:creationId xmlns="" xmlns:a16="http://schemas.microsoft.com/office/drawing/2014/main" id="{1C8203EE-14DB-4E90-B4A9-996B69C97C95}"/>
+                    <a16:creationId xmlns:a16="http://schemas.microsoft.com/office/drawing/2014/main" xmlns="" id="{1C8203EE-14DB-4E90-B4A9-996B69C97C95}"/>
                   </a:ext>
                 </a:extLst>
               </p:cNvPr>
@@ -19411,7 +19412,7 @@
           <p:cNvPr id="18" name="TextBox 17">
             <a:extLst>
               <a:ext uri="{FF2B5EF4-FFF2-40B4-BE49-F238E27FC236}">
-                <a16:creationId xmlns="" xmlns:a16="http://schemas.microsoft.com/office/drawing/2014/main" id="{91956AC6-0735-4E5D-9100-2228E356A202}"/>
+                <a16:creationId xmlns:a16="http://schemas.microsoft.com/office/drawing/2014/main" xmlns="" id="{91956AC6-0735-4E5D-9100-2228E356A202}"/>
               </a:ext>
             </a:extLst>
           </p:cNvPr>
@@ -19451,7 +19452,7 @@
               <p:cNvPr id="19" name="Rectangle 18">
                 <a:extLst>
                   <a:ext uri="{FF2B5EF4-FFF2-40B4-BE49-F238E27FC236}">
-                    <a16:creationId xmlns="" xmlns:a16="http://schemas.microsoft.com/office/drawing/2014/main" id="{6DEF7A01-61E1-442A-B48A-BD8C2FF4D651}"/>
+                    <a16:creationId xmlns:a16="http://schemas.microsoft.com/office/drawing/2014/main" xmlns="" id="{6DEF7A01-61E1-442A-B48A-BD8C2FF4D651}"/>
                   </a:ext>
                 </a:extLst>
               </p:cNvPr>
@@ -19918,7 +19919,7 @@
           <p:cNvPr id="20" name="TextBox 19">
             <a:extLst>
               <a:ext uri="{FF2B5EF4-FFF2-40B4-BE49-F238E27FC236}">
-                <a16:creationId xmlns="" xmlns:a16="http://schemas.microsoft.com/office/drawing/2014/main" id="{C8CC836A-90A9-47E8-A8A3-79D416EFF95E}"/>
+                <a16:creationId xmlns:a16="http://schemas.microsoft.com/office/drawing/2014/main" xmlns="" id="{C8CC836A-90A9-47E8-A8A3-79D416EFF95E}"/>
               </a:ext>
             </a:extLst>
           </p:cNvPr>
@@ -19965,7 +19966,7 @@
           <p:cNvPr id="21" name="TextBox 20">
             <a:extLst>
               <a:ext uri="{FF2B5EF4-FFF2-40B4-BE49-F238E27FC236}">
-                <a16:creationId xmlns="" xmlns:a16="http://schemas.microsoft.com/office/drawing/2014/main" id="{9DB1C97C-8912-465A-8AFE-648E80E9C03E}"/>
+                <a16:creationId xmlns:a16="http://schemas.microsoft.com/office/drawing/2014/main" xmlns="" id="{9DB1C97C-8912-465A-8AFE-648E80E9C03E}"/>
               </a:ext>
             </a:extLst>
           </p:cNvPr>
@@ -20035,7 +20036,7 @@
           <p:cNvPr id="22" name="TextBox 21">
             <a:extLst>
               <a:ext uri="{FF2B5EF4-FFF2-40B4-BE49-F238E27FC236}">
-                <a16:creationId xmlns="" xmlns:a16="http://schemas.microsoft.com/office/drawing/2014/main" id="{22368ADC-9CD5-48D3-9BD4-E1E1C77287B7}"/>
+                <a16:creationId xmlns:a16="http://schemas.microsoft.com/office/drawing/2014/main" xmlns="" id="{22368ADC-9CD5-48D3-9BD4-E1E1C77287B7}"/>
               </a:ext>
             </a:extLst>
           </p:cNvPr>
@@ -20095,7 +20096,7 @@
           <p:cNvPr id="23" name="TextBox 22">
             <a:extLst>
               <a:ext uri="{FF2B5EF4-FFF2-40B4-BE49-F238E27FC236}">
-                <a16:creationId xmlns="" xmlns:a16="http://schemas.microsoft.com/office/drawing/2014/main" id="{3539A682-186E-485A-A9B9-A5B99832DC6D}"/>
+                <a16:creationId xmlns:a16="http://schemas.microsoft.com/office/drawing/2014/main" xmlns="" id="{3539A682-186E-485A-A9B9-A5B99832DC6D}"/>
               </a:ext>
             </a:extLst>
           </p:cNvPr>
@@ -20155,7 +20156,7 @@
           <p:cNvPr id="24" name="Right Bracket 23">
             <a:extLst>
               <a:ext uri="{FF2B5EF4-FFF2-40B4-BE49-F238E27FC236}">
-                <a16:creationId xmlns="" xmlns:a16="http://schemas.microsoft.com/office/drawing/2014/main" id="{C27A111E-271F-4E00-B987-3C19C3039CE1}"/>
+                <a16:creationId xmlns:a16="http://schemas.microsoft.com/office/drawing/2014/main" xmlns="" id="{C27A111E-271F-4E00-B987-3C19C3039CE1}"/>
               </a:ext>
             </a:extLst>
           </p:cNvPr>
@@ -20204,7 +20205,7 @@
           <p:cNvPr id="25" name="Right Bracket 24">
             <a:extLst>
               <a:ext uri="{FF2B5EF4-FFF2-40B4-BE49-F238E27FC236}">
-                <a16:creationId xmlns="" xmlns:a16="http://schemas.microsoft.com/office/drawing/2014/main" id="{526E445B-9E28-491A-BC67-C8D361569FEE}"/>
+                <a16:creationId xmlns:a16="http://schemas.microsoft.com/office/drawing/2014/main" xmlns="" id="{526E445B-9E28-491A-BC67-C8D361569FEE}"/>
               </a:ext>
             </a:extLst>
           </p:cNvPr>
@@ -20253,7 +20254,7 @@
           <p:cNvPr id="26" name="Right Bracket 25">
             <a:extLst>
               <a:ext uri="{FF2B5EF4-FFF2-40B4-BE49-F238E27FC236}">
-                <a16:creationId xmlns="" xmlns:a16="http://schemas.microsoft.com/office/drawing/2014/main" id="{B4E20F1F-FF77-4D88-B9F4-ED72D56C6AA4}"/>
+                <a16:creationId xmlns:a16="http://schemas.microsoft.com/office/drawing/2014/main" xmlns="" id="{B4E20F1F-FF77-4D88-B9F4-ED72D56C6AA4}"/>
               </a:ext>
             </a:extLst>
           </p:cNvPr>
@@ -20302,7 +20303,7 @@
           <p:cNvPr id="28" name="Straight Arrow Connector 27">
             <a:extLst>
               <a:ext uri="{FF2B5EF4-FFF2-40B4-BE49-F238E27FC236}">
-                <a16:creationId xmlns="" xmlns:a16="http://schemas.microsoft.com/office/drawing/2014/main" id="{1EE7FD56-96A6-4D45-90A9-01011F21E241}"/>
+                <a16:creationId xmlns:a16="http://schemas.microsoft.com/office/drawing/2014/main" xmlns="" id="{1EE7FD56-96A6-4D45-90A9-01011F21E241}"/>
               </a:ext>
             </a:extLst>
           </p:cNvPr>
@@ -20347,7 +20348,7 @@
           <p:cNvPr id="30" name="Straight Arrow Connector 29">
             <a:extLst>
               <a:ext uri="{FF2B5EF4-FFF2-40B4-BE49-F238E27FC236}">
-                <a16:creationId xmlns="" xmlns:a16="http://schemas.microsoft.com/office/drawing/2014/main" id="{3C8449DD-CCE7-48C6-9F7D-C983847AE772}"/>
+                <a16:creationId xmlns:a16="http://schemas.microsoft.com/office/drawing/2014/main" xmlns="" id="{3C8449DD-CCE7-48C6-9F7D-C983847AE772}"/>
               </a:ext>
             </a:extLst>
           </p:cNvPr>
@@ -20391,7 +20392,7 @@
           <p:cNvPr id="32" name="Straight Arrow Connector 31">
             <a:extLst>
               <a:ext uri="{FF2B5EF4-FFF2-40B4-BE49-F238E27FC236}">
-                <a16:creationId xmlns="" xmlns:a16="http://schemas.microsoft.com/office/drawing/2014/main" id="{5B216471-6BEC-49D0-AF52-A4D5DBE4B521}"/>
+                <a16:creationId xmlns:a16="http://schemas.microsoft.com/office/drawing/2014/main" xmlns="" id="{5B216471-6BEC-49D0-AF52-A4D5DBE4B521}"/>
               </a:ext>
             </a:extLst>
           </p:cNvPr>
@@ -20430,14 +20431,14 @@
           </a:fontRef>
         </p:style>
       </p:cxnSp>
-      <mc:AlternateContent xmlns:mc="http://schemas.openxmlformats.org/markup-compatibility/2006">
-        <mc:Choice xmlns:a14="http://schemas.microsoft.com/office/drawing/2010/main" Requires="a14">
+      <mc:AlternateContent xmlns:mc="http://schemas.openxmlformats.org/markup-compatibility/2006" xmlns:a14="http://schemas.microsoft.com/office/drawing/2010/main">
+        <mc:Choice Requires="a14">
           <p:sp>
             <p:nvSpPr>
               <p:cNvPr id="29" name="Rectangle 28">
                 <a:extLst>
                   <a:ext uri="{FF2B5EF4-FFF2-40B4-BE49-F238E27FC236}">
-                    <a16:creationId xmlns="" xmlns:a16="http://schemas.microsoft.com/office/drawing/2014/main" id="{1C8203EE-14DB-4E90-B4A9-996B69C97C95}"/>
+                    <a16:creationId xmlns:a16="http://schemas.microsoft.com/office/drawing/2014/main" xmlns="" id="{1C8203EE-14DB-4E90-B4A9-996B69C97C95}"/>
                   </a:ext>
                 </a:extLst>
               </p:cNvPr>
@@ -20867,7 +20868,7 @@
             </p:txBody>
           </p:sp>
         </mc:Choice>
-        <mc:Fallback>
+        <mc:Fallback xmlns="">
           <p:sp>
             <p:nvSpPr>
               <p:cNvPr id="29" name="Rectangle 28">
@@ -20916,6 +20917,78 @@
     <p:extLst>
       <p:ext uri="{BB962C8B-B14F-4D97-AF65-F5344CB8AC3E}">
         <p14:creationId xmlns:p14="http://schemas.microsoft.com/office/powerpoint/2010/main" val="718391010"/>
+      </p:ext>
+    </p:extLst>
+  </p:cSld>
+  <p:clrMapOvr>
+    <a:masterClrMapping/>
+  </p:clrMapOvr>
+</p:sld>
+</file>
+
+<file path=ppt/slides/slide6.xml><?xml version="1.0" encoding="utf-8"?>
+<p:sld xmlns:a="http://schemas.openxmlformats.org/drawingml/2006/main" xmlns:r="http://schemas.openxmlformats.org/officeDocument/2006/relationships" xmlns:p="http://schemas.openxmlformats.org/presentationml/2006/main">
+  <p:cSld>
+    <p:spTree>
+      <p:nvGrpSpPr>
+        <p:cNvPr id="1" name=""/>
+        <p:cNvGrpSpPr/>
+        <p:nvPr/>
+      </p:nvGrpSpPr>
+      <p:grpSpPr>
+        <a:xfrm>
+          <a:off x="0" y="0"/>
+          <a:ext cx="0" cy="0"/>
+          <a:chOff x="0" y="0"/>
+          <a:chExt cx="0" cy="0"/>
+        </a:xfrm>
+      </p:grpSpPr>
+      <p:sp>
+        <p:nvSpPr>
+          <p:cNvPr id="5" name="TextBox 4"/>
+          <p:cNvSpPr txBox="1"/>
+          <p:nvPr/>
+        </p:nvSpPr>
+        <p:spPr>
+          <a:xfrm>
+            <a:off x="1775012" y="1215614"/>
+            <a:ext cx="7071295" cy="740587"/>
+          </a:xfrm>
+          <a:prstGeom prst="rect">
+            <a:avLst/>
+          </a:prstGeom>
+          <a:noFill/>
+        </p:spPr>
+        <p:txBody>
+          <a:bodyPr wrap="none" rtlCol="0">
+            <a:spAutoFit/>
+          </a:bodyPr>
+          <a:lstStyle/>
+          <a:p>
+            <a:r>
+              <a:rPr lang="en-US" dirty="0" smtClean="0"/>
+              <a:t>TODO: The multiplication of these terms is not straightforward and needs a some elaboration. </a:t>
+            </a:r>
+          </a:p>
+          <a:p>
+            <a:r>
+              <a:rPr lang="en-US" dirty="0" smtClean="0"/>
+              <a:t>Specifically the order in which the terms get multiplied and what needs transposing to ensure</a:t>
+            </a:r>
+          </a:p>
+          <a:p>
+            <a:r>
+              <a:rPr lang="en-US" dirty="0" smtClean="0"/>
+              <a:t>the matrix dimensions are correct. </a:t>
+            </a:r>
+            <a:endParaRPr lang="en-US" dirty="0"/>
+          </a:p>
+        </p:txBody>
+      </p:sp>
+    </p:spTree>
+    <p:extLst>
+      <p:ext uri="{BB962C8B-B14F-4D97-AF65-F5344CB8AC3E}">
+        <p14:creationId xmlns:p14="http://schemas.microsoft.com/office/powerpoint/2010/main" val="1035952411"/>
       </p:ext>
     </p:extLst>
   </p:cSld>

--- a/Course #1 Neural Networks and Deep Learning/Neural Networks/NeuralNetworkModel.pptx
+++ b/Course #1 Neural Networks and Deep Learning/Neural Networks/NeuralNetworkModel.pptx
@@ -202,7 +202,7 @@
           <a:p>
             <a:fld id="{D78D4EE9-BC62-4157-B46F-F3B8F85B9FD4}" type="datetimeFigureOut">
               <a:rPr lang="en-US" smtClean="0"/>
-              <a:t>9/7/2020</a:t>
+              <a:t>9/8/2020</a:t>
             </a:fld>
             <a:endParaRPr lang="en-US"/>
           </a:p>
@@ -684,7 +684,7 @@
           <a:p>
             <a:fld id="{6D0F423D-5BBC-4A38-9EEC-A29618DC73DC}" type="datetimeFigureOut">
               <a:rPr lang="en-US" smtClean="0"/>
-              <a:t>9/7/2020</a:t>
+              <a:t>9/8/2020</a:t>
             </a:fld>
             <a:endParaRPr lang="en-US"/>
           </a:p>
@@ -854,7 +854,7 @@
           <a:p>
             <a:fld id="{6D0F423D-5BBC-4A38-9EEC-A29618DC73DC}" type="datetimeFigureOut">
               <a:rPr lang="en-US" smtClean="0"/>
-              <a:t>9/7/2020</a:t>
+              <a:t>9/8/2020</a:t>
             </a:fld>
             <a:endParaRPr lang="en-US"/>
           </a:p>
@@ -1034,7 +1034,7 @@
           <a:p>
             <a:fld id="{6D0F423D-5BBC-4A38-9EEC-A29618DC73DC}" type="datetimeFigureOut">
               <a:rPr lang="en-US" smtClean="0"/>
-              <a:t>9/7/2020</a:t>
+              <a:t>9/8/2020</a:t>
             </a:fld>
             <a:endParaRPr lang="en-US"/>
           </a:p>
@@ -1204,7 +1204,7 @@
           <a:p>
             <a:fld id="{6D0F423D-5BBC-4A38-9EEC-A29618DC73DC}" type="datetimeFigureOut">
               <a:rPr lang="en-US" smtClean="0"/>
-              <a:t>9/7/2020</a:t>
+              <a:t>9/8/2020</a:t>
             </a:fld>
             <a:endParaRPr lang="en-US"/>
           </a:p>
@@ -1450,7 +1450,7 @@
           <a:p>
             <a:fld id="{6D0F423D-5BBC-4A38-9EEC-A29618DC73DC}" type="datetimeFigureOut">
               <a:rPr lang="en-US" smtClean="0"/>
-              <a:t>9/7/2020</a:t>
+              <a:t>9/8/2020</a:t>
             </a:fld>
             <a:endParaRPr lang="en-US"/>
           </a:p>
@@ -1682,7 +1682,7 @@
           <a:p>
             <a:fld id="{6D0F423D-5BBC-4A38-9EEC-A29618DC73DC}" type="datetimeFigureOut">
               <a:rPr lang="en-US" smtClean="0"/>
-              <a:t>9/7/2020</a:t>
+              <a:t>9/8/2020</a:t>
             </a:fld>
             <a:endParaRPr lang="en-US"/>
           </a:p>
@@ -2049,7 +2049,7 @@
           <a:p>
             <a:fld id="{6D0F423D-5BBC-4A38-9EEC-A29618DC73DC}" type="datetimeFigureOut">
               <a:rPr lang="en-US" smtClean="0"/>
-              <a:t>9/7/2020</a:t>
+              <a:t>9/8/2020</a:t>
             </a:fld>
             <a:endParaRPr lang="en-US"/>
           </a:p>
@@ -2167,7 +2167,7 @@
           <a:p>
             <a:fld id="{6D0F423D-5BBC-4A38-9EEC-A29618DC73DC}" type="datetimeFigureOut">
               <a:rPr lang="en-US" smtClean="0"/>
-              <a:t>9/7/2020</a:t>
+              <a:t>9/8/2020</a:t>
             </a:fld>
             <a:endParaRPr lang="en-US"/>
           </a:p>
@@ -2262,7 +2262,7 @@
           <a:p>
             <a:fld id="{6D0F423D-5BBC-4A38-9EEC-A29618DC73DC}" type="datetimeFigureOut">
               <a:rPr lang="en-US" smtClean="0"/>
-              <a:t>9/7/2020</a:t>
+              <a:t>9/8/2020</a:t>
             </a:fld>
             <a:endParaRPr lang="en-US"/>
           </a:p>
@@ -2539,7 +2539,7 @@
           <a:p>
             <a:fld id="{6D0F423D-5BBC-4A38-9EEC-A29618DC73DC}" type="datetimeFigureOut">
               <a:rPr lang="en-US" smtClean="0"/>
-              <a:t>9/7/2020</a:t>
+              <a:t>9/8/2020</a:t>
             </a:fld>
             <a:endParaRPr lang="en-US"/>
           </a:p>
@@ -2796,7 +2796,7 @@
           <a:p>
             <a:fld id="{6D0F423D-5BBC-4A38-9EEC-A29618DC73DC}" type="datetimeFigureOut">
               <a:rPr lang="en-US" smtClean="0"/>
-              <a:t>9/7/2020</a:t>
+              <a:t>9/8/2020</a:t>
             </a:fld>
             <a:endParaRPr lang="en-US"/>
           </a:p>
@@ -3009,7 +3009,7 @@
           <a:p>
             <a:fld id="{6D0F423D-5BBC-4A38-9EEC-A29618DC73DC}" type="datetimeFigureOut">
               <a:rPr lang="en-US" smtClean="0"/>
-              <a:t>9/7/2020</a:t>
+              <a:t>9/8/2020</a:t>
             </a:fld>
             <a:endParaRPr lang="en-US"/>
           </a:p>
@@ -13136,7 +13136,7 @@
           <p:cNvPr id="2" name="TextBox 1">
             <a:extLst>
               <a:ext uri="{FF2B5EF4-FFF2-40B4-BE49-F238E27FC236}">
-                <a16:creationId xmlns:a16="http://schemas.microsoft.com/office/drawing/2014/main" xmlns="" id="{007E8FCC-8956-4B08-A4A9-79B0077EA337}"/>
+                <a16:creationId xmlns="" xmlns:a16="http://schemas.microsoft.com/office/drawing/2014/main" id="{007E8FCC-8956-4B08-A4A9-79B0077EA337}"/>
               </a:ext>
             </a:extLst>
           </p:cNvPr>
@@ -16509,7 +16509,7 @@
               <p:cNvPr id="8" name="Rectangle 7">
                 <a:extLst>
                   <a:ext uri="{FF2B5EF4-FFF2-40B4-BE49-F238E27FC236}">
-                    <a16:creationId xmlns:a16="http://schemas.microsoft.com/office/drawing/2014/main" xmlns="" id="{3FD6548F-0CE4-43E4-B0AA-D418081DDF31}"/>
+                    <a16:creationId xmlns="" xmlns:a16="http://schemas.microsoft.com/office/drawing/2014/main" id="{3FD6548F-0CE4-43E4-B0AA-D418081DDF31}"/>
                   </a:ext>
                 </a:extLst>
               </p:cNvPr>
@@ -16962,7 +16962,7 @@
               <p:cNvPr id="11" name="Rectangle 10">
                 <a:extLst>
                   <a:ext uri="{FF2B5EF4-FFF2-40B4-BE49-F238E27FC236}">
-                    <a16:creationId xmlns:a16="http://schemas.microsoft.com/office/drawing/2014/main" xmlns="" id="{B96BF045-F75F-467B-8376-CA9A9158041C}"/>
+                    <a16:creationId xmlns="" xmlns:a16="http://schemas.microsoft.com/office/drawing/2014/main" id="{B96BF045-F75F-467B-8376-CA9A9158041C}"/>
                   </a:ext>
                 </a:extLst>
               </p:cNvPr>
@@ -17649,7 +17649,7 @@
               <p:cNvPr id="12" name="Rectangle 11">
                 <a:extLst>
                   <a:ext uri="{FF2B5EF4-FFF2-40B4-BE49-F238E27FC236}">
-                    <a16:creationId xmlns:a16="http://schemas.microsoft.com/office/drawing/2014/main" xmlns="" id="{B480C23F-5A53-4B61-98F2-DB21998D664B}"/>
+                    <a16:creationId xmlns="" xmlns:a16="http://schemas.microsoft.com/office/drawing/2014/main" id="{B480C23F-5A53-4B61-98F2-DB21998D664B}"/>
                   </a:ext>
                 </a:extLst>
               </p:cNvPr>
@@ -18548,7 +18548,7 @@
           <p:cNvPr id="2" name="Rectangle 1">
             <a:extLst>
               <a:ext uri="{FF2B5EF4-FFF2-40B4-BE49-F238E27FC236}">
-                <a16:creationId xmlns:a16="http://schemas.microsoft.com/office/drawing/2014/main" xmlns="" id="{23AE3C8C-39E1-436C-A815-F6AC8E164EFF}"/>
+                <a16:creationId xmlns="" xmlns:a16="http://schemas.microsoft.com/office/drawing/2014/main" id="{23AE3C8C-39E1-436C-A815-F6AC8E164EFF}"/>
               </a:ext>
             </a:extLst>
           </p:cNvPr>
@@ -18600,7 +18600,7 @@
           <p:cNvPr id="13" name="Rectangle 12">
             <a:extLst>
               <a:ext uri="{FF2B5EF4-FFF2-40B4-BE49-F238E27FC236}">
-                <a16:creationId xmlns:a16="http://schemas.microsoft.com/office/drawing/2014/main" xmlns="" id="{1CD70713-A18C-488A-826C-6133047649F7}"/>
+                <a16:creationId xmlns="" xmlns:a16="http://schemas.microsoft.com/office/drawing/2014/main" id="{1CD70713-A18C-488A-826C-6133047649F7}"/>
               </a:ext>
             </a:extLst>
           </p:cNvPr>
@@ -18652,7 +18652,7 @@
           <p:cNvPr id="14" name="Rectangle 13">
             <a:extLst>
               <a:ext uri="{FF2B5EF4-FFF2-40B4-BE49-F238E27FC236}">
-                <a16:creationId xmlns:a16="http://schemas.microsoft.com/office/drawing/2014/main" xmlns="" id="{12B948A3-3A39-4888-BCC0-8FD874CDF61E}"/>
+                <a16:creationId xmlns="" xmlns:a16="http://schemas.microsoft.com/office/drawing/2014/main" id="{12B948A3-3A39-4888-BCC0-8FD874CDF61E}"/>
               </a:ext>
             </a:extLst>
           </p:cNvPr>
@@ -18706,7 +18706,7 @@
               <p:cNvPr id="3" name="TextBox 2">
                 <a:extLst>
                   <a:ext uri="{FF2B5EF4-FFF2-40B4-BE49-F238E27FC236}">
-                    <a16:creationId xmlns:a16="http://schemas.microsoft.com/office/drawing/2014/main" xmlns="" id="{7956414D-5231-4984-90B2-D2F728B24FFB}"/>
+                    <a16:creationId xmlns="" xmlns:a16="http://schemas.microsoft.com/office/drawing/2014/main" id="{7956414D-5231-4984-90B2-D2F728B24FFB}"/>
                   </a:ext>
                 </a:extLst>
               </p:cNvPr>
@@ -18831,7 +18831,7 @@
               <p:cNvPr id="15" name="TextBox 14">
                 <a:extLst>
                   <a:ext uri="{FF2B5EF4-FFF2-40B4-BE49-F238E27FC236}">
-                    <a16:creationId xmlns:a16="http://schemas.microsoft.com/office/drawing/2014/main" xmlns="" id="{03D2A3F5-C83A-46AE-B3DE-475B7B3EC388}"/>
+                    <a16:creationId xmlns="" xmlns:a16="http://schemas.microsoft.com/office/drawing/2014/main" id="{03D2A3F5-C83A-46AE-B3DE-475B7B3EC388}"/>
                   </a:ext>
                 </a:extLst>
               </p:cNvPr>
@@ -18965,7 +18965,7 @@
               <p:cNvPr id="16" name="TextBox 15">
                 <a:extLst>
                   <a:ext uri="{FF2B5EF4-FFF2-40B4-BE49-F238E27FC236}">
-                    <a16:creationId xmlns:a16="http://schemas.microsoft.com/office/drawing/2014/main" xmlns="" id="{B5D46CFC-BE8E-4F5D-9C1C-7A1235CE2B13}"/>
+                    <a16:creationId xmlns="" xmlns:a16="http://schemas.microsoft.com/office/drawing/2014/main" id="{B5D46CFC-BE8E-4F5D-9C1C-7A1235CE2B13}"/>
                   </a:ext>
                 </a:extLst>
               </p:cNvPr>
@@ -19099,7 +19099,7 @@
               <p:cNvPr id="17" name="Rectangle 16">
                 <a:extLst>
                   <a:ext uri="{FF2B5EF4-FFF2-40B4-BE49-F238E27FC236}">
-                    <a16:creationId xmlns:a16="http://schemas.microsoft.com/office/drawing/2014/main" xmlns="" id="{1C8203EE-14DB-4E90-B4A9-996B69C97C95}"/>
+                    <a16:creationId xmlns="" xmlns:a16="http://schemas.microsoft.com/office/drawing/2014/main" id="{1C8203EE-14DB-4E90-B4A9-996B69C97C95}"/>
                   </a:ext>
                 </a:extLst>
               </p:cNvPr>
@@ -19412,7 +19412,7 @@
           <p:cNvPr id="18" name="TextBox 17">
             <a:extLst>
               <a:ext uri="{FF2B5EF4-FFF2-40B4-BE49-F238E27FC236}">
-                <a16:creationId xmlns:a16="http://schemas.microsoft.com/office/drawing/2014/main" xmlns="" id="{91956AC6-0735-4E5D-9100-2228E356A202}"/>
+                <a16:creationId xmlns="" xmlns:a16="http://schemas.microsoft.com/office/drawing/2014/main" id="{91956AC6-0735-4E5D-9100-2228E356A202}"/>
               </a:ext>
             </a:extLst>
           </p:cNvPr>
@@ -19452,7 +19452,7 @@
               <p:cNvPr id="19" name="Rectangle 18">
                 <a:extLst>
                   <a:ext uri="{FF2B5EF4-FFF2-40B4-BE49-F238E27FC236}">
-                    <a16:creationId xmlns:a16="http://schemas.microsoft.com/office/drawing/2014/main" xmlns="" id="{6DEF7A01-61E1-442A-B48A-BD8C2FF4D651}"/>
+                    <a16:creationId xmlns="" xmlns:a16="http://schemas.microsoft.com/office/drawing/2014/main" id="{6DEF7A01-61E1-442A-B48A-BD8C2FF4D651}"/>
                   </a:ext>
                 </a:extLst>
               </p:cNvPr>
@@ -19919,7 +19919,7 @@
           <p:cNvPr id="20" name="TextBox 19">
             <a:extLst>
               <a:ext uri="{FF2B5EF4-FFF2-40B4-BE49-F238E27FC236}">
-                <a16:creationId xmlns:a16="http://schemas.microsoft.com/office/drawing/2014/main" xmlns="" id="{C8CC836A-90A9-47E8-A8A3-79D416EFF95E}"/>
+                <a16:creationId xmlns="" xmlns:a16="http://schemas.microsoft.com/office/drawing/2014/main" id="{C8CC836A-90A9-47E8-A8A3-79D416EFF95E}"/>
               </a:ext>
             </a:extLst>
           </p:cNvPr>
@@ -19966,7 +19966,7 @@
           <p:cNvPr id="21" name="TextBox 20">
             <a:extLst>
               <a:ext uri="{FF2B5EF4-FFF2-40B4-BE49-F238E27FC236}">
-                <a16:creationId xmlns:a16="http://schemas.microsoft.com/office/drawing/2014/main" xmlns="" id="{9DB1C97C-8912-465A-8AFE-648E80E9C03E}"/>
+                <a16:creationId xmlns="" xmlns:a16="http://schemas.microsoft.com/office/drawing/2014/main" id="{9DB1C97C-8912-465A-8AFE-648E80E9C03E}"/>
               </a:ext>
             </a:extLst>
           </p:cNvPr>
@@ -20036,7 +20036,7 @@
           <p:cNvPr id="22" name="TextBox 21">
             <a:extLst>
               <a:ext uri="{FF2B5EF4-FFF2-40B4-BE49-F238E27FC236}">
-                <a16:creationId xmlns:a16="http://schemas.microsoft.com/office/drawing/2014/main" xmlns="" id="{22368ADC-9CD5-48D3-9BD4-E1E1C77287B7}"/>
+                <a16:creationId xmlns="" xmlns:a16="http://schemas.microsoft.com/office/drawing/2014/main" id="{22368ADC-9CD5-48D3-9BD4-E1E1C77287B7}"/>
               </a:ext>
             </a:extLst>
           </p:cNvPr>
@@ -20096,7 +20096,7 @@
           <p:cNvPr id="23" name="TextBox 22">
             <a:extLst>
               <a:ext uri="{FF2B5EF4-FFF2-40B4-BE49-F238E27FC236}">
-                <a16:creationId xmlns:a16="http://schemas.microsoft.com/office/drawing/2014/main" xmlns="" id="{3539A682-186E-485A-A9B9-A5B99832DC6D}"/>
+                <a16:creationId xmlns="" xmlns:a16="http://schemas.microsoft.com/office/drawing/2014/main" id="{3539A682-186E-485A-A9B9-A5B99832DC6D}"/>
               </a:ext>
             </a:extLst>
           </p:cNvPr>
@@ -20156,7 +20156,7 @@
           <p:cNvPr id="24" name="Right Bracket 23">
             <a:extLst>
               <a:ext uri="{FF2B5EF4-FFF2-40B4-BE49-F238E27FC236}">
-                <a16:creationId xmlns:a16="http://schemas.microsoft.com/office/drawing/2014/main" xmlns="" id="{C27A111E-271F-4E00-B987-3C19C3039CE1}"/>
+                <a16:creationId xmlns="" xmlns:a16="http://schemas.microsoft.com/office/drawing/2014/main" id="{C27A111E-271F-4E00-B987-3C19C3039CE1}"/>
               </a:ext>
             </a:extLst>
           </p:cNvPr>
@@ -20205,7 +20205,7 @@
           <p:cNvPr id="25" name="Right Bracket 24">
             <a:extLst>
               <a:ext uri="{FF2B5EF4-FFF2-40B4-BE49-F238E27FC236}">
-                <a16:creationId xmlns:a16="http://schemas.microsoft.com/office/drawing/2014/main" xmlns="" id="{526E445B-9E28-491A-BC67-C8D361569FEE}"/>
+                <a16:creationId xmlns="" xmlns:a16="http://schemas.microsoft.com/office/drawing/2014/main" id="{526E445B-9E28-491A-BC67-C8D361569FEE}"/>
               </a:ext>
             </a:extLst>
           </p:cNvPr>
@@ -20254,7 +20254,7 @@
           <p:cNvPr id="26" name="Right Bracket 25">
             <a:extLst>
               <a:ext uri="{FF2B5EF4-FFF2-40B4-BE49-F238E27FC236}">
-                <a16:creationId xmlns:a16="http://schemas.microsoft.com/office/drawing/2014/main" xmlns="" id="{B4E20F1F-FF77-4D88-B9F4-ED72D56C6AA4}"/>
+                <a16:creationId xmlns="" xmlns:a16="http://schemas.microsoft.com/office/drawing/2014/main" id="{B4E20F1F-FF77-4D88-B9F4-ED72D56C6AA4}"/>
               </a:ext>
             </a:extLst>
           </p:cNvPr>
@@ -20303,7 +20303,7 @@
           <p:cNvPr id="28" name="Straight Arrow Connector 27">
             <a:extLst>
               <a:ext uri="{FF2B5EF4-FFF2-40B4-BE49-F238E27FC236}">
-                <a16:creationId xmlns:a16="http://schemas.microsoft.com/office/drawing/2014/main" xmlns="" id="{1EE7FD56-96A6-4D45-90A9-01011F21E241}"/>
+                <a16:creationId xmlns="" xmlns:a16="http://schemas.microsoft.com/office/drawing/2014/main" id="{1EE7FD56-96A6-4D45-90A9-01011F21E241}"/>
               </a:ext>
             </a:extLst>
           </p:cNvPr>
@@ -20348,7 +20348,7 @@
           <p:cNvPr id="30" name="Straight Arrow Connector 29">
             <a:extLst>
               <a:ext uri="{FF2B5EF4-FFF2-40B4-BE49-F238E27FC236}">
-                <a16:creationId xmlns:a16="http://schemas.microsoft.com/office/drawing/2014/main" xmlns="" id="{3C8449DD-CCE7-48C6-9F7D-C983847AE772}"/>
+                <a16:creationId xmlns="" xmlns:a16="http://schemas.microsoft.com/office/drawing/2014/main" id="{3C8449DD-CCE7-48C6-9F7D-C983847AE772}"/>
               </a:ext>
             </a:extLst>
           </p:cNvPr>
@@ -20392,7 +20392,7 @@
           <p:cNvPr id="32" name="Straight Arrow Connector 31">
             <a:extLst>
               <a:ext uri="{FF2B5EF4-FFF2-40B4-BE49-F238E27FC236}">
-                <a16:creationId xmlns:a16="http://schemas.microsoft.com/office/drawing/2014/main" xmlns="" id="{5B216471-6BEC-49D0-AF52-A4D5DBE4B521}"/>
+                <a16:creationId xmlns="" xmlns:a16="http://schemas.microsoft.com/office/drawing/2014/main" id="{5B216471-6BEC-49D0-AF52-A4D5DBE4B521}"/>
               </a:ext>
             </a:extLst>
           </p:cNvPr>
@@ -20438,7 +20438,7 @@
               <p:cNvPr id="29" name="Rectangle 28">
                 <a:extLst>
                   <a:ext uri="{FF2B5EF4-FFF2-40B4-BE49-F238E27FC236}">
-                    <a16:creationId xmlns:a16="http://schemas.microsoft.com/office/drawing/2014/main" xmlns="" id="{1C8203EE-14DB-4E90-B4A9-996B69C97C95}"/>
+                    <a16:creationId xmlns="" xmlns:a16="http://schemas.microsoft.com/office/drawing/2014/main" id="{1C8203EE-14DB-4E90-B4A9-996B69C97C95}"/>
                   </a:ext>
                 </a:extLst>
               </p:cNvPr>
@@ -20945,14 +20945,14 @@
       </p:grpSpPr>
       <p:sp>
         <p:nvSpPr>
-          <p:cNvPr id="5" name="TextBox 4"/>
+          <p:cNvPr id="3" name="TextBox 2"/>
           <p:cNvSpPr txBox="1"/>
           <p:nvPr/>
         </p:nvSpPr>
         <p:spPr>
           <a:xfrm>
-            <a:off x="1775012" y="1215614"/>
-            <a:ext cx="7071295" cy="740587"/>
+            <a:off x="1855803" y="385605"/>
+            <a:ext cx="4577407" cy="400110"/>
           </a:xfrm>
           <a:prstGeom prst="rect">
             <a:avLst/>
@@ -20966,25 +20966,3451 @@
           <a:lstStyle/>
           <a:p>
             <a:r>
-              <a:rPr lang="en-US" dirty="0" smtClean="0"/>
-              <a:t>TODO: The multiplication of these terms is not straightforward and needs a some elaboration. </a:t>
+              <a:rPr lang="en-US" sz="2000" dirty="0">
+                <a:latin typeface="Cambria Math" panose="02040503050406030204" pitchFamily="18" charset="0"/>
+                <a:ea typeface="Cambria Math" panose="02040503050406030204" pitchFamily="18" charset="0"/>
+              </a:rPr>
+              <a:t>Back </a:t>
             </a:r>
-          </a:p>
-          <a:p>
             <a:r>
-              <a:rPr lang="en-US" dirty="0" smtClean="0"/>
-              <a:t>Specifically the order in which the terms get multiplied and what needs transposing to ensure</a:t>
+              <a:rPr lang="en-US" sz="2000" dirty="0" smtClean="0">
+                <a:latin typeface="Cambria Math" panose="02040503050406030204" pitchFamily="18" charset="0"/>
+                <a:ea typeface="Cambria Math" panose="02040503050406030204" pitchFamily="18" charset="0"/>
+              </a:rPr>
+              <a:t>Propagation: Multiplication Details</a:t>
             </a:r>
-          </a:p>
-          <a:p>
-            <a:r>
-              <a:rPr lang="en-US" dirty="0" smtClean="0"/>
-              <a:t>the matrix dimensions are correct. </a:t>
-            </a:r>
-            <a:endParaRPr lang="en-US" dirty="0"/>
+            <a:endParaRPr lang="en-US" sz="2000" dirty="0">
+              <a:latin typeface="Cambria Math" panose="02040503050406030204" pitchFamily="18" charset="0"/>
+              <a:ea typeface="Cambria Math" panose="02040503050406030204" pitchFamily="18" charset="0"/>
+            </a:endParaRPr>
           </a:p>
         </p:txBody>
       </p:sp>
+      <p:sp>
+        <p:nvSpPr>
+          <p:cNvPr id="4" name="TextBox 3"/>
+          <p:cNvSpPr txBox="1"/>
+          <p:nvPr/>
+        </p:nvSpPr>
+        <p:spPr>
+          <a:xfrm>
+            <a:off x="555920" y="948891"/>
+            <a:ext cx="8064515" cy="523220"/>
+          </a:xfrm>
+          <a:prstGeom prst="rect">
+            <a:avLst/>
+          </a:prstGeom>
+          <a:noFill/>
+        </p:spPr>
+        <p:txBody>
+          <a:bodyPr wrap="none" rtlCol="0">
+            <a:spAutoFit/>
+          </a:bodyPr>
+          <a:lstStyle/>
+          <a:p>
+            <a:r>
+              <a:rPr lang="en-US" sz="1400" dirty="0" smtClean="0">
+                <a:latin typeface="Cambria Math" panose="02040503050406030204" pitchFamily="18" charset="0"/>
+                <a:ea typeface="Cambria Math" panose="02040503050406030204" pitchFamily="18" charset="0"/>
+              </a:rPr>
+              <a:t>Let AB = C denote true matrix multiplication and A*B = C denote element wise multiplication. A</a:t>
+            </a:r>
+            <a:r>
+              <a:rPr lang="en-US" sz="1400" baseline="30000" dirty="0" smtClean="0">
+                <a:latin typeface="Cambria Math" panose="02040503050406030204" pitchFamily="18" charset="0"/>
+                <a:ea typeface="Cambria Math" panose="02040503050406030204" pitchFamily="18" charset="0"/>
+              </a:rPr>
+              <a:t>T</a:t>
+            </a:r>
+            <a:r>
+              <a:rPr lang="en-US" sz="1400" dirty="0" smtClean="0">
+                <a:latin typeface="Cambria Math" panose="02040503050406030204" pitchFamily="18" charset="0"/>
+                <a:ea typeface="Cambria Math" panose="02040503050406030204" pitchFamily="18" charset="0"/>
+              </a:rPr>
+              <a:t> is the </a:t>
+            </a:r>
+            <a:br>
+              <a:rPr lang="en-US" sz="1400" dirty="0" smtClean="0">
+                <a:latin typeface="Cambria Math" panose="02040503050406030204" pitchFamily="18" charset="0"/>
+                <a:ea typeface="Cambria Math" panose="02040503050406030204" pitchFamily="18" charset="0"/>
+              </a:rPr>
+            </a:br>
+            <a:r>
+              <a:rPr lang="en-US" sz="1400" dirty="0" smtClean="0">
+                <a:latin typeface="Cambria Math" panose="02040503050406030204" pitchFamily="18" charset="0"/>
+                <a:ea typeface="Cambria Math" panose="02040503050406030204" pitchFamily="18" charset="0"/>
+              </a:rPr>
+              <a:t>transpose of A</a:t>
+            </a:r>
+            <a:endParaRPr lang="en-US" sz="1400" dirty="0">
+              <a:latin typeface="Cambria Math" panose="02040503050406030204" pitchFamily="18" charset="0"/>
+              <a:ea typeface="Cambria Math" panose="02040503050406030204" pitchFamily="18" charset="0"/>
+            </a:endParaRPr>
+          </a:p>
+        </p:txBody>
+      </p:sp>
+      <mc:AlternateContent xmlns:mc="http://schemas.openxmlformats.org/markup-compatibility/2006">
+        <mc:Choice xmlns:a14="http://schemas.microsoft.com/office/drawing/2010/main" Requires="a14">
+          <p:sp>
+            <p:nvSpPr>
+              <p:cNvPr id="6" name="Rectangle 5">
+                <a:extLst>
+                  <a:ext uri="{FF2B5EF4-FFF2-40B4-BE49-F238E27FC236}">
+                    <a16:creationId xmlns="" xmlns:a16="http://schemas.microsoft.com/office/drawing/2014/main" id="{3FD6548F-0CE4-43E4-B0AA-D418081DDF31}"/>
+                  </a:ext>
+                </a:extLst>
+              </p:cNvPr>
+              <p:cNvSpPr/>
+              <p:nvPr/>
+            </p:nvSpPr>
+            <p:spPr>
+              <a:xfrm>
+                <a:off x="-213763" y="1685558"/>
+                <a:ext cx="3651421" cy="538289"/>
+              </a:xfrm>
+              <a:prstGeom prst="rect">
+                <a:avLst/>
+              </a:prstGeom>
+            </p:spPr>
+            <p:txBody>
+              <a:bodyPr wrap="square">
+                <a:spAutoFit/>
+              </a:bodyPr>
+              <a:lstStyle/>
+              <a:p>
+                <a:pPr/>
+                <a14:m>
+                  <m:oMathPara xmlns:m="http://schemas.openxmlformats.org/officeDocument/2006/math">
+                    <m:oMathParaPr>
+                      <m:jc m:val="centerGroup"/>
+                    </m:oMathParaPr>
+                    <m:oMath xmlns:m="http://schemas.openxmlformats.org/officeDocument/2006/math">
+                      <m:f>
+                        <m:fPr>
+                          <m:ctrlPr>
+                            <a:rPr lang="en-US" sz="1400" b="0" i="1" smtClean="0">
+                              <a:latin typeface="Cambria Math" panose="02040503050406030204" pitchFamily="18" charset="0"/>
+                              <a:ea typeface="Cambria Math" panose="02040503050406030204" pitchFamily="18" charset="0"/>
+                            </a:rPr>
+                          </m:ctrlPr>
+                        </m:fPr>
+                        <m:num>
+                          <m:r>
+                            <a:rPr lang="en-US" sz="1400" b="0" i="1" smtClean="0">
+                              <a:latin typeface="Cambria Math" panose="02040503050406030204" pitchFamily="18" charset="0"/>
+                              <a:ea typeface="Cambria Math" panose="02040503050406030204" pitchFamily="18" charset="0"/>
+                            </a:rPr>
+                            <m:t>𝜕</m:t>
+                          </m:r>
+                          <m:r>
+                            <a:rPr lang="en-US" sz="1400" b="0" i="1" smtClean="0">
+                              <a:latin typeface="Cambria Math" panose="02040503050406030204" pitchFamily="18" charset="0"/>
+                              <a:ea typeface="Cambria Math" panose="02040503050406030204" pitchFamily="18" charset="0"/>
+                            </a:rPr>
+                            <m:t>𝐶</m:t>
+                          </m:r>
+                        </m:num>
+                        <m:den>
+                          <m:r>
+                            <a:rPr lang="en-US" sz="1400" b="0" i="1" smtClean="0">
+                              <a:latin typeface="Cambria Math" panose="02040503050406030204" pitchFamily="18" charset="0"/>
+                              <a:ea typeface="Cambria Math" panose="02040503050406030204" pitchFamily="18" charset="0"/>
+                            </a:rPr>
+                            <m:t>𝜕</m:t>
+                          </m:r>
+                          <m:sSup>
+                            <m:sSupPr>
+                              <m:ctrlPr>
+                                <a:rPr lang="en-US" sz="1400" i="1" smtClean="0">
+                                  <a:latin typeface="Cambria Math" panose="02040503050406030204" pitchFamily="18" charset="0"/>
+                                </a:rPr>
+                              </m:ctrlPr>
+                            </m:sSupPr>
+                            <m:e>
+                              <m:r>
+                                <a:rPr lang="en-US" sz="1400" b="0" i="1" smtClean="0">
+                                  <a:latin typeface="Cambria Math" panose="02040503050406030204" pitchFamily="18" charset="0"/>
+                                </a:rPr>
+                                <m:t>𝑊</m:t>
+                              </m:r>
+                            </m:e>
+                            <m:sup>
+                              <m:r>
+                                <a:rPr lang="en-US" sz="1400" b="0" i="1" smtClean="0">
+                                  <a:latin typeface="Cambria Math" panose="02040503050406030204" pitchFamily="18" charset="0"/>
+                                </a:rPr>
+                                <m:t>[</m:t>
+                              </m:r>
+                              <m:r>
+                                <a:rPr lang="en-US" sz="1400" b="0" i="1" smtClean="0">
+                                  <a:latin typeface="Cambria Math" panose="02040503050406030204" pitchFamily="18" charset="0"/>
+                                </a:rPr>
+                                <m:t>𝑘</m:t>
+                              </m:r>
+                              <m:r>
+                                <a:rPr lang="en-US" sz="1400" b="0" i="1" smtClean="0">
+                                  <a:latin typeface="Cambria Math" panose="02040503050406030204" pitchFamily="18" charset="0"/>
+                                </a:rPr>
+                                <m:t>]</m:t>
+                              </m:r>
+                            </m:sup>
+                          </m:sSup>
+                        </m:den>
+                      </m:f>
+                      <m:r>
+                        <a:rPr lang="en-US" sz="1400" b="0" i="1" smtClean="0">
+                          <a:latin typeface="Cambria Math" panose="02040503050406030204" pitchFamily="18" charset="0"/>
+                        </a:rPr>
+                        <m:t>=</m:t>
+                      </m:r>
+                      <m:f>
+                        <m:fPr>
+                          <m:ctrlPr>
+                            <a:rPr lang="en-US" sz="1400" i="1">
+                              <a:latin typeface="Cambria Math" panose="02040503050406030204" pitchFamily="18" charset="0"/>
+                              <a:ea typeface="Cambria Math" panose="02040503050406030204" pitchFamily="18" charset="0"/>
+                            </a:rPr>
+                          </m:ctrlPr>
+                        </m:fPr>
+                        <m:num>
+                          <m:r>
+                            <a:rPr lang="en-US" sz="1400" i="1">
+                              <a:latin typeface="Cambria Math" panose="02040503050406030204" pitchFamily="18" charset="0"/>
+                              <a:ea typeface="Cambria Math" panose="02040503050406030204" pitchFamily="18" charset="0"/>
+                            </a:rPr>
+                            <m:t>𝜕</m:t>
+                          </m:r>
+                          <m:r>
+                            <a:rPr lang="en-US" sz="1400" i="1">
+                              <a:latin typeface="Cambria Math" panose="02040503050406030204" pitchFamily="18" charset="0"/>
+                              <a:ea typeface="Cambria Math" panose="02040503050406030204" pitchFamily="18" charset="0"/>
+                            </a:rPr>
+                            <m:t>𝐶</m:t>
+                          </m:r>
+                        </m:num>
+                        <m:den>
+                          <m:r>
+                            <a:rPr lang="en-US" sz="1400" i="1">
+                              <a:latin typeface="Cambria Math" panose="02040503050406030204" pitchFamily="18" charset="0"/>
+                              <a:ea typeface="Cambria Math" panose="02040503050406030204" pitchFamily="18" charset="0"/>
+                            </a:rPr>
+                            <m:t>𝜕</m:t>
+                          </m:r>
+                          <m:sSup>
+                            <m:sSupPr>
+                              <m:ctrlPr>
+                                <a:rPr lang="en-US" sz="1400" i="1">
+                                  <a:latin typeface="Cambria Math" panose="02040503050406030204" pitchFamily="18" charset="0"/>
+                                </a:rPr>
+                              </m:ctrlPr>
+                            </m:sSupPr>
+                            <m:e>
+                              <m:r>
+                                <a:rPr lang="en-US" sz="1400" b="0" i="1" smtClean="0">
+                                  <a:latin typeface="Cambria Math" panose="02040503050406030204" pitchFamily="18" charset="0"/>
+                                </a:rPr>
+                                <m:t>𝑎</m:t>
+                              </m:r>
+                            </m:e>
+                            <m:sup>
+                              <m:r>
+                                <a:rPr lang="en-US" sz="1400" i="1">
+                                  <a:latin typeface="Cambria Math" panose="02040503050406030204" pitchFamily="18" charset="0"/>
+                                </a:rPr>
+                                <m:t>[</m:t>
+                              </m:r>
+                              <m:r>
+                                <a:rPr lang="en-US" sz="1400" b="0" i="1" smtClean="0">
+                                  <a:latin typeface="Cambria Math" panose="02040503050406030204" pitchFamily="18" charset="0"/>
+                                </a:rPr>
+                                <m:t>𝑘</m:t>
+                              </m:r>
+                              <m:r>
+                                <a:rPr lang="en-US" sz="1400" i="1">
+                                  <a:latin typeface="Cambria Math" panose="02040503050406030204" pitchFamily="18" charset="0"/>
+                                </a:rPr>
+                                <m:t>]</m:t>
+                              </m:r>
+                            </m:sup>
+                          </m:sSup>
+                        </m:den>
+                      </m:f>
+                      <m:f>
+                        <m:fPr>
+                          <m:ctrlPr>
+                            <a:rPr lang="en-US" sz="1400" i="1">
+                              <a:latin typeface="Cambria Math" panose="02040503050406030204" pitchFamily="18" charset="0"/>
+                              <a:ea typeface="Cambria Math" panose="02040503050406030204" pitchFamily="18" charset="0"/>
+                            </a:rPr>
+                          </m:ctrlPr>
+                        </m:fPr>
+                        <m:num>
+                          <m:r>
+                            <a:rPr lang="en-US" sz="1400" i="1">
+                              <a:latin typeface="Cambria Math" panose="02040503050406030204" pitchFamily="18" charset="0"/>
+                              <a:ea typeface="Cambria Math" panose="02040503050406030204" pitchFamily="18" charset="0"/>
+                            </a:rPr>
+                            <m:t>𝜕</m:t>
+                          </m:r>
+                          <m:sSup>
+                            <m:sSupPr>
+                              <m:ctrlPr>
+                                <a:rPr lang="en-US" sz="1400" i="1">
+                                  <a:latin typeface="Cambria Math" panose="02040503050406030204" pitchFamily="18" charset="0"/>
+                                  <a:ea typeface="Cambria Math" panose="02040503050406030204" pitchFamily="18" charset="0"/>
+                                </a:rPr>
+                              </m:ctrlPr>
+                            </m:sSupPr>
+                            <m:e>
+                              <m:r>
+                                <a:rPr lang="en-US" sz="1400" i="1">
+                                  <a:latin typeface="Cambria Math" panose="02040503050406030204" pitchFamily="18" charset="0"/>
+                                  <a:ea typeface="Cambria Math" panose="02040503050406030204" pitchFamily="18" charset="0"/>
+                                </a:rPr>
+                                <m:t>𝑎</m:t>
+                              </m:r>
+                            </m:e>
+                            <m:sup>
+                              <m:r>
+                                <a:rPr lang="en-US" sz="1400" i="1">
+                                  <a:latin typeface="Cambria Math" panose="02040503050406030204" pitchFamily="18" charset="0"/>
+                                  <a:ea typeface="Cambria Math" panose="02040503050406030204" pitchFamily="18" charset="0"/>
+                                </a:rPr>
+                                <m:t>[</m:t>
+                              </m:r>
+                              <m:r>
+                                <a:rPr lang="en-US" sz="1400" i="1">
+                                  <a:latin typeface="Cambria Math" panose="02040503050406030204" pitchFamily="18" charset="0"/>
+                                  <a:ea typeface="Cambria Math" panose="02040503050406030204" pitchFamily="18" charset="0"/>
+                                </a:rPr>
+                                <m:t>𝑘</m:t>
+                              </m:r>
+                              <m:r>
+                                <a:rPr lang="en-US" sz="1400" i="1">
+                                  <a:latin typeface="Cambria Math" panose="02040503050406030204" pitchFamily="18" charset="0"/>
+                                  <a:ea typeface="Cambria Math" panose="02040503050406030204" pitchFamily="18" charset="0"/>
+                                </a:rPr>
+                                <m:t>]</m:t>
+                              </m:r>
+                            </m:sup>
+                          </m:sSup>
+                        </m:num>
+                        <m:den>
+                          <m:r>
+                            <a:rPr lang="en-US" sz="1400" i="1">
+                              <a:latin typeface="Cambria Math" panose="02040503050406030204" pitchFamily="18" charset="0"/>
+                              <a:ea typeface="Cambria Math" panose="02040503050406030204" pitchFamily="18" charset="0"/>
+                            </a:rPr>
+                            <m:t>𝜕</m:t>
+                          </m:r>
+                          <m:sSup>
+                            <m:sSupPr>
+                              <m:ctrlPr>
+                                <a:rPr lang="en-US" sz="1400" i="1">
+                                  <a:latin typeface="Cambria Math" panose="02040503050406030204" pitchFamily="18" charset="0"/>
+                                </a:rPr>
+                              </m:ctrlPr>
+                            </m:sSupPr>
+                            <m:e>
+                              <m:r>
+                                <a:rPr lang="en-US" sz="1400" i="1">
+                                  <a:latin typeface="Cambria Math" panose="02040503050406030204" pitchFamily="18" charset="0"/>
+                                </a:rPr>
+                                <m:t>𝑧</m:t>
+                              </m:r>
+                            </m:e>
+                            <m:sup>
+                              <m:r>
+                                <a:rPr lang="en-US" sz="1400" i="1">
+                                  <a:latin typeface="Cambria Math" panose="02040503050406030204" pitchFamily="18" charset="0"/>
+                                </a:rPr>
+                                <m:t>[</m:t>
+                              </m:r>
+                              <m:r>
+                                <a:rPr lang="en-US" sz="1400" i="1">
+                                  <a:latin typeface="Cambria Math" panose="02040503050406030204" pitchFamily="18" charset="0"/>
+                                </a:rPr>
+                                <m:t>𝑘</m:t>
+                              </m:r>
+                              <m:r>
+                                <a:rPr lang="en-US" sz="1400" i="1">
+                                  <a:latin typeface="Cambria Math" panose="02040503050406030204" pitchFamily="18" charset="0"/>
+                                </a:rPr>
+                                <m:t>]</m:t>
+                              </m:r>
+                            </m:sup>
+                          </m:sSup>
+                        </m:den>
+                      </m:f>
+                      <m:f>
+                        <m:fPr>
+                          <m:ctrlPr>
+                            <a:rPr lang="en-US" sz="1400" i="1">
+                              <a:latin typeface="Cambria Math" panose="02040503050406030204" pitchFamily="18" charset="0"/>
+                              <a:ea typeface="Cambria Math" panose="02040503050406030204" pitchFamily="18" charset="0"/>
+                            </a:rPr>
+                          </m:ctrlPr>
+                        </m:fPr>
+                        <m:num>
+                          <m:r>
+                            <a:rPr lang="en-US" sz="1400" i="1">
+                              <a:latin typeface="Cambria Math" panose="02040503050406030204" pitchFamily="18" charset="0"/>
+                              <a:ea typeface="Cambria Math" panose="02040503050406030204" pitchFamily="18" charset="0"/>
+                            </a:rPr>
+                            <m:t>𝜕</m:t>
+                          </m:r>
+                          <m:sSup>
+                            <m:sSupPr>
+                              <m:ctrlPr>
+                                <a:rPr lang="en-US" sz="1400" i="1">
+                                  <a:latin typeface="Cambria Math" panose="02040503050406030204" pitchFamily="18" charset="0"/>
+                                  <a:ea typeface="Cambria Math" panose="02040503050406030204" pitchFamily="18" charset="0"/>
+                                </a:rPr>
+                              </m:ctrlPr>
+                            </m:sSupPr>
+                            <m:e>
+                              <m:r>
+                                <a:rPr lang="en-US" sz="1400" i="1">
+                                  <a:latin typeface="Cambria Math" panose="02040503050406030204" pitchFamily="18" charset="0"/>
+                                  <a:ea typeface="Cambria Math" panose="02040503050406030204" pitchFamily="18" charset="0"/>
+                                </a:rPr>
+                                <m:t>𝑧</m:t>
+                              </m:r>
+                            </m:e>
+                            <m:sup>
+                              <m:r>
+                                <a:rPr lang="en-US" sz="1400" i="1">
+                                  <a:latin typeface="Cambria Math" panose="02040503050406030204" pitchFamily="18" charset="0"/>
+                                  <a:ea typeface="Cambria Math" panose="02040503050406030204" pitchFamily="18" charset="0"/>
+                                </a:rPr>
+                                <m:t>[</m:t>
+                              </m:r>
+                              <m:r>
+                                <a:rPr lang="en-US" sz="1400" i="1">
+                                  <a:latin typeface="Cambria Math" panose="02040503050406030204" pitchFamily="18" charset="0"/>
+                                  <a:ea typeface="Cambria Math" panose="02040503050406030204" pitchFamily="18" charset="0"/>
+                                </a:rPr>
+                                <m:t>𝑘</m:t>
+                              </m:r>
+                              <m:r>
+                                <a:rPr lang="en-US" sz="1400" i="1">
+                                  <a:latin typeface="Cambria Math" panose="02040503050406030204" pitchFamily="18" charset="0"/>
+                                  <a:ea typeface="Cambria Math" panose="02040503050406030204" pitchFamily="18" charset="0"/>
+                                </a:rPr>
+                                <m:t>]</m:t>
+                              </m:r>
+                            </m:sup>
+                          </m:sSup>
+                        </m:num>
+                        <m:den>
+                          <m:r>
+                            <a:rPr lang="en-US" sz="1400" i="1">
+                              <a:latin typeface="Cambria Math" panose="02040503050406030204" pitchFamily="18" charset="0"/>
+                              <a:ea typeface="Cambria Math" panose="02040503050406030204" pitchFamily="18" charset="0"/>
+                            </a:rPr>
+                            <m:t>𝜕</m:t>
+                          </m:r>
+                          <m:sSup>
+                            <m:sSupPr>
+                              <m:ctrlPr>
+                                <a:rPr lang="en-US" sz="1400" i="1">
+                                  <a:latin typeface="Cambria Math" panose="02040503050406030204" pitchFamily="18" charset="0"/>
+                                </a:rPr>
+                              </m:ctrlPr>
+                            </m:sSupPr>
+                            <m:e>
+                              <m:r>
+                                <a:rPr lang="en-US" sz="1400" i="1">
+                                  <a:latin typeface="Cambria Math" panose="02040503050406030204" pitchFamily="18" charset="0"/>
+                                </a:rPr>
+                                <m:t>𝑊</m:t>
+                              </m:r>
+                            </m:e>
+                            <m:sup>
+                              <m:r>
+                                <a:rPr lang="en-US" sz="1400" i="1">
+                                  <a:latin typeface="Cambria Math" panose="02040503050406030204" pitchFamily="18" charset="0"/>
+                                </a:rPr>
+                                <m:t>[</m:t>
+                              </m:r>
+                              <m:r>
+                                <a:rPr lang="en-US" sz="1400" i="1">
+                                  <a:latin typeface="Cambria Math" panose="02040503050406030204" pitchFamily="18" charset="0"/>
+                                </a:rPr>
+                                <m:t>𝑘</m:t>
+                              </m:r>
+                              <m:r>
+                                <a:rPr lang="en-US" sz="1400" i="1">
+                                  <a:latin typeface="Cambria Math" panose="02040503050406030204" pitchFamily="18" charset="0"/>
+                                </a:rPr>
+                                <m:t>]</m:t>
+                              </m:r>
+                            </m:sup>
+                          </m:sSup>
+                        </m:den>
+                      </m:f>
+                    </m:oMath>
+                  </m:oMathPara>
+                </a14:m>
+                <a:endParaRPr lang="en-US" sz="1400" dirty="0"/>
+              </a:p>
+            </p:txBody>
+          </p:sp>
+        </mc:Choice>
+        <mc:Fallback>
+          <p:sp>
+            <p:nvSpPr>
+              <p:cNvPr id="6" name="Rectangle 5">
+                <a:extLst>
+                  <a:ext uri="{FF2B5EF4-FFF2-40B4-BE49-F238E27FC236}">
+                    <a16:creationId xmlns="" xmlns:a16="http://schemas.microsoft.com/office/drawing/2014/main" xmlns:a14="http://schemas.microsoft.com/office/drawing/2010/main" id="{3FD6548F-0CE4-43E4-B0AA-D418081DDF31}"/>
+                  </a:ext>
+                </a:extLst>
+              </p:cNvPr>
+              <p:cNvSpPr>
+                <a:spLocks noRot="1" noChangeAspect="1" noMove="1" noResize="1" noEditPoints="1" noAdjustHandles="1" noChangeArrowheads="1" noChangeShapeType="1" noTextEdit="1"/>
+              </p:cNvSpPr>
+              <p:nvPr/>
+            </p:nvSpPr>
+            <p:spPr>
+              <a:xfrm>
+                <a:off x="-213763" y="1685558"/>
+                <a:ext cx="3651421" cy="538289"/>
+              </a:xfrm>
+              <a:prstGeom prst="rect">
+                <a:avLst/>
+              </a:prstGeom>
+              <a:blipFill rotWithShape="0">
+                <a:blip r:embed="rId2"/>
+                <a:stretch>
+                  <a:fillRect/>
+                </a:stretch>
+              </a:blipFill>
+            </p:spPr>
+            <p:txBody>
+              <a:bodyPr/>
+              <a:lstStyle/>
+              <a:p>
+                <a:r>
+                  <a:rPr lang="en-US">
+                    <a:noFill/>
+                  </a:rPr>
+                  <a:t> </a:t>
+                </a:r>
+              </a:p>
+            </p:txBody>
+          </p:sp>
+        </mc:Fallback>
+      </mc:AlternateContent>
+      <mc:AlternateContent xmlns:mc="http://schemas.openxmlformats.org/markup-compatibility/2006">
+        <mc:Choice xmlns:a14="http://schemas.microsoft.com/office/drawing/2010/main" Requires="a14">
+          <p:sp>
+            <p:nvSpPr>
+              <p:cNvPr id="7" name="Rectangle 6">
+                <a:extLst>
+                  <a:ext uri="{FF2B5EF4-FFF2-40B4-BE49-F238E27FC236}">
+                    <a16:creationId xmlns="" xmlns:a16="http://schemas.microsoft.com/office/drawing/2014/main" id="{3FD6548F-0CE4-43E4-B0AA-D418081DDF31}"/>
+                  </a:ext>
+                </a:extLst>
+              </p:cNvPr>
+              <p:cNvSpPr/>
+              <p:nvPr/>
+            </p:nvSpPr>
+            <p:spPr>
+              <a:xfrm>
+                <a:off x="3327296" y="1635287"/>
+                <a:ext cx="3651421" cy="638829"/>
+              </a:xfrm>
+              <a:prstGeom prst="rect">
+                <a:avLst/>
+              </a:prstGeom>
+            </p:spPr>
+            <p:txBody>
+              <a:bodyPr wrap="square">
+                <a:spAutoFit/>
+              </a:bodyPr>
+              <a:lstStyle/>
+              <a:p>
+                <a:pPr/>
+                <a14:m>
+                  <m:oMathPara xmlns:m="http://schemas.openxmlformats.org/officeDocument/2006/math">
+                    <m:oMathParaPr>
+                      <m:jc m:val="centerGroup"/>
+                    </m:oMathParaPr>
+                    <m:oMath xmlns:m="http://schemas.openxmlformats.org/officeDocument/2006/math">
+                      <m:f>
+                        <m:fPr>
+                          <m:ctrlPr>
+                            <a:rPr lang="en-US" sz="1400" b="0" i="1" smtClean="0">
+                              <a:latin typeface="Cambria Math" panose="02040503050406030204" pitchFamily="18" charset="0"/>
+                              <a:ea typeface="Cambria Math" panose="02040503050406030204" pitchFamily="18" charset="0"/>
+                            </a:rPr>
+                          </m:ctrlPr>
+                        </m:fPr>
+                        <m:num>
+                          <m:r>
+                            <a:rPr lang="en-US" sz="1400" b="0" i="1" smtClean="0">
+                              <a:latin typeface="Cambria Math" panose="02040503050406030204" pitchFamily="18" charset="0"/>
+                              <a:ea typeface="Cambria Math" panose="02040503050406030204" pitchFamily="18" charset="0"/>
+                            </a:rPr>
+                            <m:t>𝜕</m:t>
+                          </m:r>
+                          <m:r>
+                            <a:rPr lang="en-US" sz="1400" b="0" i="1" smtClean="0">
+                              <a:latin typeface="Cambria Math" panose="02040503050406030204" pitchFamily="18" charset="0"/>
+                              <a:ea typeface="Cambria Math" panose="02040503050406030204" pitchFamily="18" charset="0"/>
+                            </a:rPr>
+                            <m:t>𝐶</m:t>
+                          </m:r>
+                        </m:num>
+                        <m:den>
+                          <m:r>
+                            <a:rPr lang="en-US" sz="1400" b="0" i="1" smtClean="0">
+                              <a:latin typeface="Cambria Math" panose="02040503050406030204" pitchFamily="18" charset="0"/>
+                              <a:ea typeface="Cambria Math" panose="02040503050406030204" pitchFamily="18" charset="0"/>
+                            </a:rPr>
+                            <m:t>𝜕</m:t>
+                          </m:r>
+                          <m:sSup>
+                            <m:sSupPr>
+                              <m:ctrlPr>
+                                <a:rPr lang="en-US" sz="1400" i="1" smtClean="0">
+                                  <a:latin typeface="Cambria Math" panose="02040503050406030204" pitchFamily="18" charset="0"/>
+                                </a:rPr>
+                              </m:ctrlPr>
+                            </m:sSupPr>
+                            <m:e>
+                              <m:r>
+                                <a:rPr lang="en-US" sz="1400" b="0" i="1" smtClean="0">
+                                  <a:latin typeface="Cambria Math" panose="02040503050406030204" pitchFamily="18" charset="0"/>
+                                </a:rPr>
+                                <m:t>𝑊</m:t>
+                              </m:r>
+                            </m:e>
+                            <m:sup>
+                              <m:r>
+                                <a:rPr lang="en-US" sz="1400" b="0" i="1" smtClean="0">
+                                  <a:latin typeface="Cambria Math" panose="02040503050406030204" pitchFamily="18" charset="0"/>
+                                </a:rPr>
+                                <m:t>[</m:t>
+                              </m:r>
+                              <m:r>
+                                <a:rPr lang="en-US" sz="1400" b="0" i="1" smtClean="0">
+                                  <a:latin typeface="Cambria Math" panose="02040503050406030204" pitchFamily="18" charset="0"/>
+                                </a:rPr>
+                                <m:t>𝑘</m:t>
+                              </m:r>
+                              <m:r>
+                                <a:rPr lang="en-US" sz="1400" b="0" i="1" smtClean="0">
+                                  <a:latin typeface="Cambria Math" panose="02040503050406030204" pitchFamily="18" charset="0"/>
+                                </a:rPr>
+                                <m:t>]</m:t>
+                              </m:r>
+                            </m:sup>
+                          </m:sSup>
+                        </m:den>
+                      </m:f>
+                      <m:r>
+                        <a:rPr lang="en-US" sz="1400" b="0" i="1" smtClean="0">
+                          <a:latin typeface="Cambria Math" panose="02040503050406030204" pitchFamily="18" charset="0"/>
+                        </a:rPr>
+                        <m:t>=</m:t>
+                      </m:r>
+                      <m:d>
+                        <m:dPr>
+                          <m:ctrlPr>
+                            <a:rPr lang="en-US" sz="1400" b="0" i="1" smtClean="0">
+                              <a:latin typeface="Cambria Math" panose="02040503050406030204" pitchFamily="18" charset="0"/>
+                              <a:ea typeface="Cambria Math" panose="02040503050406030204" pitchFamily="18" charset="0"/>
+                            </a:rPr>
+                          </m:ctrlPr>
+                        </m:dPr>
+                        <m:e>
+                          <m:f>
+                            <m:fPr>
+                              <m:ctrlPr>
+                                <a:rPr lang="en-US" sz="1400" i="1">
+                                  <a:latin typeface="Cambria Math" panose="02040503050406030204" pitchFamily="18" charset="0"/>
+                                  <a:ea typeface="Cambria Math" panose="02040503050406030204" pitchFamily="18" charset="0"/>
+                                </a:rPr>
+                              </m:ctrlPr>
+                            </m:fPr>
+                            <m:num>
+                              <m:r>
+                                <a:rPr lang="en-US" sz="1400" i="1">
+                                  <a:latin typeface="Cambria Math" panose="02040503050406030204" pitchFamily="18" charset="0"/>
+                                  <a:ea typeface="Cambria Math" panose="02040503050406030204" pitchFamily="18" charset="0"/>
+                                </a:rPr>
+                                <m:t>𝜕</m:t>
+                              </m:r>
+                              <m:r>
+                                <a:rPr lang="en-US" sz="1400" i="1">
+                                  <a:latin typeface="Cambria Math" panose="02040503050406030204" pitchFamily="18" charset="0"/>
+                                  <a:ea typeface="Cambria Math" panose="02040503050406030204" pitchFamily="18" charset="0"/>
+                                </a:rPr>
+                                <m:t>𝐶</m:t>
+                              </m:r>
+                            </m:num>
+                            <m:den>
+                              <m:r>
+                                <a:rPr lang="en-US" sz="1400" i="1">
+                                  <a:latin typeface="Cambria Math" panose="02040503050406030204" pitchFamily="18" charset="0"/>
+                                  <a:ea typeface="Cambria Math" panose="02040503050406030204" pitchFamily="18" charset="0"/>
+                                </a:rPr>
+                                <m:t>𝜕</m:t>
+                              </m:r>
+                              <m:sSup>
+                                <m:sSupPr>
+                                  <m:ctrlPr>
+                                    <a:rPr lang="en-US" sz="1400" i="1">
+                                      <a:latin typeface="Cambria Math" panose="02040503050406030204" pitchFamily="18" charset="0"/>
+                                    </a:rPr>
+                                  </m:ctrlPr>
+                                </m:sSupPr>
+                                <m:e>
+                                  <m:r>
+                                    <a:rPr lang="en-US" sz="1400" b="0" i="1" smtClean="0">
+                                      <a:latin typeface="Cambria Math" panose="02040503050406030204" pitchFamily="18" charset="0"/>
+                                    </a:rPr>
+                                    <m:t>𝑎</m:t>
+                                  </m:r>
+                                </m:e>
+                                <m:sup>
+                                  <m:d>
+                                    <m:dPr>
+                                      <m:begChr m:val="["/>
+                                      <m:endChr m:val="]"/>
+                                      <m:ctrlPr>
+                                        <a:rPr lang="en-US" sz="1400" b="0" i="1">
+                                          <a:latin typeface="Cambria Math" panose="02040503050406030204" pitchFamily="18" charset="0"/>
+                                        </a:rPr>
+                                      </m:ctrlPr>
+                                    </m:dPr>
+                                    <m:e>
+                                      <m:r>
+                                        <a:rPr lang="en-US" sz="1400" b="0" i="1" smtClean="0">
+                                          <a:latin typeface="Cambria Math" panose="02040503050406030204" pitchFamily="18" charset="0"/>
+                                        </a:rPr>
+                                        <m:t>𝑘</m:t>
+                                      </m:r>
+                                    </m:e>
+                                  </m:d>
+                                </m:sup>
+                              </m:sSup>
+                            </m:den>
+                          </m:f>
+                          <m:r>
+                            <a:rPr lang="en-US" sz="1400" b="0" i="1" smtClean="0">
+                              <a:latin typeface="Cambria Math" panose="02040503050406030204" pitchFamily="18" charset="0"/>
+                            </a:rPr>
+                            <m:t>∗</m:t>
+                          </m:r>
+                          <m:f>
+                            <m:fPr>
+                              <m:ctrlPr>
+                                <a:rPr lang="en-US" sz="1400" i="1">
+                                  <a:latin typeface="Cambria Math" panose="02040503050406030204" pitchFamily="18" charset="0"/>
+                                  <a:ea typeface="Cambria Math" panose="02040503050406030204" pitchFamily="18" charset="0"/>
+                                </a:rPr>
+                              </m:ctrlPr>
+                            </m:fPr>
+                            <m:num>
+                              <m:r>
+                                <a:rPr lang="en-US" sz="1400" i="1">
+                                  <a:latin typeface="Cambria Math" panose="02040503050406030204" pitchFamily="18" charset="0"/>
+                                  <a:ea typeface="Cambria Math" panose="02040503050406030204" pitchFamily="18" charset="0"/>
+                                </a:rPr>
+                                <m:t>𝜕</m:t>
+                              </m:r>
+                              <m:sSup>
+                                <m:sSupPr>
+                                  <m:ctrlPr>
+                                    <a:rPr lang="en-US" sz="1400" i="1">
+                                      <a:latin typeface="Cambria Math" panose="02040503050406030204" pitchFamily="18" charset="0"/>
+                                      <a:ea typeface="Cambria Math" panose="02040503050406030204" pitchFamily="18" charset="0"/>
+                                    </a:rPr>
+                                  </m:ctrlPr>
+                                </m:sSupPr>
+                                <m:e>
+                                  <m:r>
+                                    <a:rPr lang="en-US" sz="1400" i="1">
+                                      <a:latin typeface="Cambria Math" panose="02040503050406030204" pitchFamily="18" charset="0"/>
+                                      <a:ea typeface="Cambria Math" panose="02040503050406030204" pitchFamily="18" charset="0"/>
+                                    </a:rPr>
+                                    <m:t>𝑎</m:t>
+                                  </m:r>
+                                </m:e>
+                                <m:sup>
+                                  <m:d>
+                                    <m:dPr>
+                                      <m:begChr m:val="["/>
+                                      <m:endChr m:val="]"/>
+                                      <m:ctrlPr>
+                                        <a:rPr lang="en-US" sz="1400" i="1">
+                                          <a:latin typeface="Cambria Math" panose="02040503050406030204" pitchFamily="18" charset="0"/>
+                                          <a:ea typeface="Cambria Math" panose="02040503050406030204" pitchFamily="18" charset="0"/>
+                                        </a:rPr>
+                                      </m:ctrlPr>
+                                    </m:dPr>
+                                    <m:e>
+                                      <m:r>
+                                        <a:rPr lang="en-US" sz="1400" i="1">
+                                          <a:latin typeface="Cambria Math" panose="02040503050406030204" pitchFamily="18" charset="0"/>
+                                          <a:ea typeface="Cambria Math" panose="02040503050406030204" pitchFamily="18" charset="0"/>
+                                        </a:rPr>
+                                        <m:t>𝑘</m:t>
+                                      </m:r>
+                                    </m:e>
+                                  </m:d>
+                                </m:sup>
+                              </m:sSup>
+                            </m:num>
+                            <m:den>
+                              <m:r>
+                                <a:rPr lang="en-US" sz="1400" i="1">
+                                  <a:latin typeface="Cambria Math" panose="02040503050406030204" pitchFamily="18" charset="0"/>
+                                  <a:ea typeface="Cambria Math" panose="02040503050406030204" pitchFamily="18" charset="0"/>
+                                </a:rPr>
+                                <m:t>𝜕</m:t>
+                              </m:r>
+                              <m:sSup>
+                                <m:sSupPr>
+                                  <m:ctrlPr>
+                                    <a:rPr lang="en-US" sz="1400" i="1">
+                                      <a:latin typeface="Cambria Math" panose="02040503050406030204" pitchFamily="18" charset="0"/>
+                                    </a:rPr>
+                                  </m:ctrlPr>
+                                </m:sSupPr>
+                                <m:e>
+                                  <m:r>
+                                    <a:rPr lang="en-US" sz="1400" i="1">
+                                      <a:latin typeface="Cambria Math" panose="02040503050406030204" pitchFamily="18" charset="0"/>
+                                    </a:rPr>
+                                    <m:t>𝑧</m:t>
+                                  </m:r>
+                                </m:e>
+                                <m:sup>
+                                  <m:d>
+                                    <m:dPr>
+                                      <m:begChr m:val="["/>
+                                      <m:endChr m:val="]"/>
+                                      <m:ctrlPr>
+                                        <a:rPr lang="en-US" sz="1400" i="1">
+                                          <a:latin typeface="Cambria Math" panose="02040503050406030204" pitchFamily="18" charset="0"/>
+                                        </a:rPr>
+                                      </m:ctrlPr>
+                                    </m:dPr>
+                                    <m:e>
+                                      <m:r>
+                                        <a:rPr lang="en-US" sz="1400" i="1">
+                                          <a:latin typeface="Cambria Math" panose="02040503050406030204" pitchFamily="18" charset="0"/>
+                                        </a:rPr>
+                                        <m:t>𝑘</m:t>
+                                      </m:r>
+                                    </m:e>
+                                  </m:d>
+                                </m:sup>
+                              </m:sSup>
+                            </m:den>
+                          </m:f>
+                        </m:e>
+                      </m:d>
+                      <m:sSup>
+                        <m:sSupPr>
+                          <m:ctrlPr>
+                            <a:rPr lang="en-US" sz="1400" b="0" i="1" smtClean="0">
+                              <a:latin typeface="Cambria Math" panose="02040503050406030204" pitchFamily="18" charset="0"/>
+                            </a:rPr>
+                          </m:ctrlPr>
+                        </m:sSupPr>
+                        <m:e>
+                          <m:d>
+                            <m:dPr>
+                              <m:begChr m:val="["/>
+                              <m:endChr m:val="]"/>
+                              <m:ctrlPr>
+                                <a:rPr lang="en-US" sz="1400" b="0" i="1" smtClean="0">
+                                  <a:latin typeface="Cambria Math" panose="02040503050406030204" pitchFamily="18" charset="0"/>
+                                  <a:ea typeface="Cambria Math" panose="02040503050406030204" pitchFamily="18" charset="0"/>
+                                </a:rPr>
+                              </m:ctrlPr>
+                            </m:dPr>
+                            <m:e>
+                              <m:f>
+                                <m:fPr>
+                                  <m:ctrlPr>
+                                    <a:rPr lang="en-US" sz="1400" i="1">
+                                      <a:latin typeface="Cambria Math" panose="02040503050406030204" pitchFamily="18" charset="0"/>
+                                      <a:ea typeface="Cambria Math" panose="02040503050406030204" pitchFamily="18" charset="0"/>
+                                    </a:rPr>
+                                  </m:ctrlPr>
+                                </m:fPr>
+                                <m:num>
+                                  <m:r>
+                                    <a:rPr lang="en-US" sz="1400" i="1">
+                                      <a:latin typeface="Cambria Math" panose="02040503050406030204" pitchFamily="18" charset="0"/>
+                                      <a:ea typeface="Cambria Math" panose="02040503050406030204" pitchFamily="18" charset="0"/>
+                                    </a:rPr>
+                                    <m:t>𝜕</m:t>
+                                  </m:r>
+                                  <m:sSup>
+                                    <m:sSupPr>
+                                      <m:ctrlPr>
+                                        <a:rPr lang="en-US" sz="1400" i="1">
+                                          <a:latin typeface="Cambria Math" panose="02040503050406030204" pitchFamily="18" charset="0"/>
+                                          <a:ea typeface="Cambria Math" panose="02040503050406030204" pitchFamily="18" charset="0"/>
+                                        </a:rPr>
+                                      </m:ctrlPr>
+                                    </m:sSupPr>
+                                    <m:e>
+                                      <m:r>
+                                        <a:rPr lang="en-US" sz="1400" i="1">
+                                          <a:latin typeface="Cambria Math" panose="02040503050406030204" pitchFamily="18" charset="0"/>
+                                          <a:ea typeface="Cambria Math" panose="02040503050406030204" pitchFamily="18" charset="0"/>
+                                        </a:rPr>
+                                        <m:t>𝑧</m:t>
+                                      </m:r>
+                                    </m:e>
+                                    <m:sup>
+                                      <m:d>
+                                        <m:dPr>
+                                          <m:begChr m:val="["/>
+                                          <m:endChr m:val="]"/>
+                                          <m:ctrlPr>
+                                            <a:rPr lang="en-US" sz="1400" i="1">
+                                              <a:latin typeface="Cambria Math" panose="02040503050406030204" pitchFamily="18" charset="0"/>
+                                              <a:ea typeface="Cambria Math" panose="02040503050406030204" pitchFamily="18" charset="0"/>
+                                            </a:rPr>
+                                          </m:ctrlPr>
+                                        </m:dPr>
+                                        <m:e>
+                                          <m:r>
+                                            <a:rPr lang="en-US" sz="1400" i="1">
+                                              <a:latin typeface="Cambria Math" panose="02040503050406030204" pitchFamily="18" charset="0"/>
+                                              <a:ea typeface="Cambria Math" panose="02040503050406030204" pitchFamily="18" charset="0"/>
+                                            </a:rPr>
+                                            <m:t>𝑘</m:t>
+                                          </m:r>
+                                        </m:e>
+                                      </m:d>
+                                    </m:sup>
+                                  </m:sSup>
+                                </m:num>
+                                <m:den>
+                                  <m:r>
+                                    <a:rPr lang="en-US" sz="1400" i="1">
+                                      <a:latin typeface="Cambria Math" panose="02040503050406030204" pitchFamily="18" charset="0"/>
+                                      <a:ea typeface="Cambria Math" panose="02040503050406030204" pitchFamily="18" charset="0"/>
+                                    </a:rPr>
+                                    <m:t>𝜕</m:t>
+                                  </m:r>
+                                  <m:sSup>
+                                    <m:sSupPr>
+                                      <m:ctrlPr>
+                                        <a:rPr lang="en-US" sz="1400" i="1">
+                                          <a:latin typeface="Cambria Math" panose="02040503050406030204" pitchFamily="18" charset="0"/>
+                                        </a:rPr>
+                                      </m:ctrlPr>
+                                    </m:sSupPr>
+                                    <m:e>
+                                      <m:r>
+                                        <a:rPr lang="en-US" sz="1400" i="1">
+                                          <a:latin typeface="Cambria Math" panose="02040503050406030204" pitchFamily="18" charset="0"/>
+                                        </a:rPr>
+                                        <m:t>𝑊</m:t>
+                                      </m:r>
+                                    </m:e>
+                                    <m:sup>
+                                      <m:d>
+                                        <m:dPr>
+                                          <m:begChr m:val="["/>
+                                          <m:endChr m:val="]"/>
+                                          <m:ctrlPr>
+                                            <a:rPr lang="en-US" sz="1400" i="1">
+                                              <a:latin typeface="Cambria Math" panose="02040503050406030204" pitchFamily="18" charset="0"/>
+                                            </a:rPr>
+                                          </m:ctrlPr>
+                                        </m:dPr>
+                                        <m:e>
+                                          <m:r>
+                                            <a:rPr lang="en-US" sz="1400" i="1">
+                                              <a:latin typeface="Cambria Math" panose="02040503050406030204" pitchFamily="18" charset="0"/>
+                                            </a:rPr>
+                                            <m:t>𝑘</m:t>
+                                          </m:r>
+                                        </m:e>
+                                      </m:d>
+                                    </m:sup>
+                                  </m:sSup>
+                                </m:den>
+                              </m:f>
+                            </m:e>
+                          </m:d>
+                        </m:e>
+                        <m:sup>
+                          <m:r>
+                            <a:rPr lang="en-US" sz="1400" b="0" i="1" smtClean="0">
+                              <a:latin typeface="Cambria Math" panose="02040503050406030204" pitchFamily="18" charset="0"/>
+                            </a:rPr>
+                            <m:t>𝑇</m:t>
+                          </m:r>
+                        </m:sup>
+                      </m:sSup>
+                    </m:oMath>
+                  </m:oMathPara>
+                </a14:m>
+                <a:endParaRPr lang="en-US" sz="1400" dirty="0"/>
+              </a:p>
+            </p:txBody>
+          </p:sp>
+        </mc:Choice>
+        <mc:Fallback>
+          <p:sp>
+            <p:nvSpPr>
+              <p:cNvPr id="7" name="Rectangle 6">
+                <a:extLst>
+                  <a:ext uri="{FF2B5EF4-FFF2-40B4-BE49-F238E27FC236}">
+                    <a16:creationId xmlns="" xmlns:a16="http://schemas.microsoft.com/office/drawing/2014/main" xmlns:a14="http://schemas.microsoft.com/office/drawing/2010/main" id="{3FD6548F-0CE4-43E4-B0AA-D418081DDF31}"/>
+                  </a:ext>
+                </a:extLst>
+              </p:cNvPr>
+              <p:cNvSpPr>
+                <a:spLocks noRot="1" noChangeAspect="1" noMove="1" noResize="1" noEditPoints="1" noAdjustHandles="1" noChangeArrowheads="1" noChangeShapeType="1" noTextEdit="1"/>
+              </p:cNvSpPr>
+              <p:nvPr/>
+            </p:nvSpPr>
+            <p:spPr>
+              <a:xfrm>
+                <a:off x="3327296" y="1635287"/>
+                <a:ext cx="3651421" cy="638829"/>
+              </a:xfrm>
+              <a:prstGeom prst="rect">
+                <a:avLst/>
+              </a:prstGeom>
+              <a:blipFill rotWithShape="0">
+                <a:blip r:embed="rId3"/>
+                <a:stretch>
+                  <a:fillRect/>
+                </a:stretch>
+              </a:blipFill>
+            </p:spPr>
+            <p:txBody>
+              <a:bodyPr/>
+              <a:lstStyle/>
+              <a:p>
+                <a:r>
+                  <a:rPr lang="en-US">
+                    <a:noFill/>
+                  </a:rPr>
+                  <a:t> </a:t>
+                </a:r>
+              </a:p>
+            </p:txBody>
+          </p:sp>
+        </mc:Fallback>
+      </mc:AlternateContent>
+      <mc:AlternateContent xmlns:mc="http://schemas.openxmlformats.org/markup-compatibility/2006">
+        <mc:Choice xmlns:a14="http://schemas.microsoft.com/office/drawing/2010/main" Requires="a14">
+          <p:sp>
+            <p:nvSpPr>
+              <p:cNvPr id="9" name="TextBox 8">
+                <a:extLst>
+                  <a:ext uri="{FF2B5EF4-FFF2-40B4-BE49-F238E27FC236}">
+                    <a16:creationId xmlns="" xmlns:a16="http://schemas.microsoft.com/office/drawing/2014/main" id="{7956414D-5231-4984-90B2-D2F728B24FFB}"/>
+                  </a:ext>
+                </a:extLst>
+              </p:cNvPr>
+              <p:cNvSpPr txBox="1"/>
+              <p:nvPr/>
+            </p:nvSpPr>
+            <p:spPr>
+              <a:xfrm>
+                <a:off x="5033838" y="2437292"/>
+                <a:ext cx="238335" cy="219997"/>
+              </a:xfrm>
+              <a:prstGeom prst="rect">
+                <a:avLst/>
+              </a:prstGeom>
+              <a:noFill/>
+            </p:spPr>
+            <p:txBody>
+              <a:bodyPr wrap="none" lIns="0" tIns="0" rIns="0" bIns="0" rtlCol="0">
+                <a:spAutoFit/>
+              </a:bodyPr>
+              <a:lstStyle/>
+              <a:p>
+                <a:pPr/>
+                <a14:m>
+                  <m:oMathPara xmlns:m="http://schemas.openxmlformats.org/officeDocument/2006/math">
+                    <m:oMathParaPr>
+                      <m:jc m:val="centerGroup"/>
+                    </m:oMathParaPr>
+                    <m:oMath xmlns:m="http://schemas.openxmlformats.org/officeDocument/2006/math">
+                      <m:sSup>
+                        <m:sSupPr>
+                          <m:ctrlPr>
+                            <a:rPr lang="en-US" i="1" smtClean="0">
+                              <a:solidFill>
+                                <a:srgbClr val="FF0000"/>
+                              </a:solidFill>
+                              <a:latin typeface="Cambria Math" panose="02040503050406030204" pitchFamily="18" charset="0"/>
+                            </a:rPr>
+                          </m:ctrlPr>
+                        </m:sSupPr>
+                        <m:e>
+                          <m:r>
+                            <a:rPr lang="en-US" i="1" smtClean="0">
+                              <a:solidFill>
+                                <a:srgbClr val="FF0000"/>
+                              </a:solidFill>
+                              <a:latin typeface="Cambria Math" panose="02040503050406030204" pitchFamily="18" charset="0"/>
+                              <a:ea typeface="Cambria Math" panose="02040503050406030204" pitchFamily="18" charset="0"/>
+                            </a:rPr>
+                            <m:t>𝛿</m:t>
+                          </m:r>
+                        </m:e>
+                        <m:sup>
+                          <m:r>
+                            <a:rPr lang="en-US" b="0" i="1" smtClean="0">
+                              <a:solidFill>
+                                <a:srgbClr val="FF0000"/>
+                              </a:solidFill>
+                              <a:latin typeface="Cambria Math" panose="02040503050406030204" pitchFamily="18" charset="0"/>
+                            </a:rPr>
+                            <m:t>𝑘</m:t>
+                          </m:r>
+                        </m:sup>
+                      </m:sSup>
+                    </m:oMath>
+                  </m:oMathPara>
+                </a14:m>
+                <a:endParaRPr lang="en-US" dirty="0"/>
+              </a:p>
+            </p:txBody>
+          </p:sp>
+        </mc:Choice>
+        <mc:Fallback>
+          <p:sp>
+            <p:nvSpPr>
+              <p:cNvPr id="9" name="TextBox 8">
+                <a:extLst>
+                  <a:ext uri="{FF2B5EF4-FFF2-40B4-BE49-F238E27FC236}">
+                    <a16:creationId xmlns="" xmlns:a16="http://schemas.microsoft.com/office/drawing/2014/main" xmlns:a14="http://schemas.microsoft.com/office/drawing/2010/main" id="{7956414D-5231-4984-90B2-D2F728B24FFB}"/>
+                  </a:ext>
+                </a:extLst>
+              </p:cNvPr>
+              <p:cNvSpPr txBox="1">
+                <a:spLocks noRot="1" noChangeAspect="1" noMove="1" noResize="1" noEditPoints="1" noAdjustHandles="1" noChangeArrowheads="1" noChangeShapeType="1" noTextEdit="1"/>
+              </p:cNvSpPr>
+              <p:nvPr/>
+            </p:nvSpPr>
+            <p:spPr>
+              <a:xfrm>
+                <a:off x="5033838" y="2437292"/>
+                <a:ext cx="238335" cy="219997"/>
+              </a:xfrm>
+              <a:prstGeom prst="rect">
+                <a:avLst/>
+              </a:prstGeom>
+              <a:blipFill rotWithShape="0">
+                <a:blip r:embed="rId4"/>
+                <a:stretch>
+                  <a:fillRect l="-20513" t="-2778" r="-5128" b="-5556"/>
+                </a:stretch>
+              </a:blipFill>
+            </p:spPr>
+            <p:txBody>
+              <a:bodyPr/>
+              <a:lstStyle/>
+              <a:p>
+                <a:r>
+                  <a:rPr lang="en-US">
+                    <a:noFill/>
+                  </a:rPr>
+                  <a:t> </a:t>
+                </a:r>
+              </a:p>
+            </p:txBody>
+          </p:sp>
+        </mc:Fallback>
+      </mc:AlternateContent>
+      <p:sp>
+        <p:nvSpPr>
+          <p:cNvPr id="10" name="Right Bracket 9">
+            <a:extLst>
+              <a:ext uri="{FF2B5EF4-FFF2-40B4-BE49-F238E27FC236}">
+                <a16:creationId xmlns="" xmlns:a16="http://schemas.microsoft.com/office/drawing/2014/main" id="{C27A111E-271F-4E00-B987-3C19C3039CE1}"/>
+              </a:ext>
+            </a:extLst>
+          </p:cNvPr>
+          <p:cNvSpPr/>
+          <p:nvPr/>
+        </p:nvSpPr>
+        <p:spPr>
+          <a:xfrm rot="5400000">
+            <a:off x="5076405" y="1717001"/>
+            <a:ext cx="153199" cy="1166891"/>
+          </a:xfrm>
+          <a:prstGeom prst="rightBracket">
+            <a:avLst/>
+          </a:prstGeom>
+          <a:ln w="19050">
+            <a:solidFill>
+              <a:srgbClr val="FF0000"/>
+            </a:solidFill>
+          </a:ln>
+        </p:spPr>
+        <p:style>
+          <a:lnRef idx="1">
+            <a:schemeClr val="accent1"/>
+          </a:lnRef>
+          <a:fillRef idx="0">
+            <a:schemeClr val="accent1"/>
+          </a:fillRef>
+          <a:effectRef idx="0">
+            <a:schemeClr val="accent1"/>
+          </a:effectRef>
+          <a:fontRef idx="minor">
+            <a:schemeClr val="tx1"/>
+          </a:fontRef>
+        </p:style>
+        <p:txBody>
+          <a:bodyPr rtlCol="0" anchor="ctr"/>
+          <a:lstStyle/>
+          <a:p>
+            <a:pPr algn="ctr"/>
+            <a:endParaRPr lang="en-US"/>
+          </a:p>
+        </p:txBody>
+      </p:sp>
+      <mc:AlternateContent xmlns:mc="http://schemas.openxmlformats.org/markup-compatibility/2006">
+        <mc:Choice xmlns:a14="http://schemas.microsoft.com/office/drawing/2010/main" Requires="a14">
+          <p:sp>
+            <p:nvSpPr>
+              <p:cNvPr id="11" name="Rectangle 10">
+                <a:extLst>
+                  <a:ext uri="{FF2B5EF4-FFF2-40B4-BE49-F238E27FC236}">
+                    <a16:creationId xmlns="" xmlns:a16="http://schemas.microsoft.com/office/drawing/2014/main" id="{6DEF7A01-61E1-442A-B48A-BD8C2FF4D651}"/>
+                  </a:ext>
+                </a:extLst>
+              </p:cNvPr>
+              <p:cNvSpPr/>
+              <p:nvPr/>
+            </p:nvSpPr>
+            <p:spPr>
+              <a:xfrm>
+                <a:off x="-213764" y="2886628"/>
+                <a:ext cx="3651421" cy="538289"/>
+              </a:xfrm>
+              <a:prstGeom prst="rect">
+                <a:avLst/>
+              </a:prstGeom>
+            </p:spPr>
+            <p:txBody>
+              <a:bodyPr wrap="square">
+                <a:spAutoFit/>
+              </a:bodyPr>
+              <a:lstStyle/>
+              <a:p>
+                <a:pPr/>
+                <a14:m>
+                  <m:oMathPara xmlns:m="http://schemas.openxmlformats.org/officeDocument/2006/math">
+                    <m:oMathParaPr>
+                      <m:jc m:val="centerGroup"/>
+                    </m:oMathParaPr>
+                    <m:oMath xmlns:m="http://schemas.openxmlformats.org/officeDocument/2006/math">
+                      <m:sSup>
+                        <m:sSupPr>
+                          <m:ctrlPr>
+                            <a:rPr lang="en-US" sz="1400" b="0" i="1" smtClean="0">
+                              <a:solidFill>
+                                <a:schemeClr val="tx1"/>
+                              </a:solidFill>
+                              <a:latin typeface="Cambria Math" panose="02040503050406030204" pitchFamily="18" charset="0"/>
+                            </a:rPr>
+                          </m:ctrlPr>
+                        </m:sSupPr>
+                        <m:e>
+                          <m:r>
+                            <a:rPr lang="en-US" sz="1400" b="0" i="1" smtClean="0">
+                              <a:solidFill>
+                                <a:schemeClr val="tx1"/>
+                              </a:solidFill>
+                              <a:latin typeface="Cambria Math" panose="02040503050406030204" pitchFamily="18" charset="0"/>
+                              <a:ea typeface="Cambria Math" panose="02040503050406030204" pitchFamily="18" charset="0"/>
+                            </a:rPr>
+                            <m:t>𝛿</m:t>
+                          </m:r>
+                        </m:e>
+                        <m:sup>
+                          <m:r>
+                            <a:rPr lang="en-US" sz="1400" b="0" i="1" smtClean="0">
+                              <a:solidFill>
+                                <a:schemeClr val="tx1"/>
+                              </a:solidFill>
+                              <a:latin typeface="Cambria Math" panose="02040503050406030204" pitchFamily="18" charset="0"/>
+                            </a:rPr>
+                            <m:t>𝑗</m:t>
+                          </m:r>
+                        </m:sup>
+                      </m:sSup>
+                      <m:r>
+                        <a:rPr lang="en-US" sz="1400" b="0" i="1" smtClean="0">
+                          <a:solidFill>
+                            <a:schemeClr val="tx1"/>
+                          </a:solidFill>
+                          <a:latin typeface="Cambria Math" panose="02040503050406030204" pitchFamily="18" charset="0"/>
+                        </a:rPr>
+                        <m:t>=</m:t>
+                      </m:r>
+                      <m:sSup>
+                        <m:sSupPr>
+                          <m:ctrlPr>
+                            <a:rPr lang="en-US" sz="1400" i="1">
+                              <a:solidFill>
+                                <a:schemeClr val="tx1"/>
+                              </a:solidFill>
+                              <a:latin typeface="Cambria Math" panose="02040503050406030204" pitchFamily="18" charset="0"/>
+                            </a:rPr>
+                          </m:ctrlPr>
+                        </m:sSupPr>
+                        <m:e>
+                          <m:r>
+                            <a:rPr lang="en-US" sz="1400" i="1">
+                              <a:solidFill>
+                                <a:schemeClr val="tx1"/>
+                              </a:solidFill>
+                              <a:latin typeface="Cambria Math" panose="02040503050406030204" pitchFamily="18" charset="0"/>
+                              <a:ea typeface="Cambria Math" panose="02040503050406030204" pitchFamily="18" charset="0"/>
+                            </a:rPr>
+                            <m:t>𝛿</m:t>
+                          </m:r>
+                        </m:e>
+                        <m:sup>
+                          <m:r>
+                            <a:rPr lang="en-US" sz="1400" i="1">
+                              <a:solidFill>
+                                <a:schemeClr val="tx1"/>
+                              </a:solidFill>
+                              <a:latin typeface="Cambria Math" panose="02040503050406030204" pitchFamily="18" charset="0"/>
+                            </a:rPr>
+                            <m:t>𝑗</m:t>
+                          </m:r>
+                          <m:r>
+                            <a:rPr lang="en-US" sz="1400" b="0" i="1" smtClean="0">
+                              <a:solidFill>
+                                <a:schemeClr val="tx1"/>
+                              </a:solidFill>
+                              <a:latin typeface="Cambria Math" panose="02040503050406030204" pitchFamily="18" charset="0"/>
+                            </a:rPr>
+                            <m:t>+1</m:t>
+                          </m:r>
+                        </m:sup>
+                      </m:sSup>
+                      <m:f>
+                        <m:fPr>
+                          <m:ctrlPr>
+                            <a:rPr lang="en-US" sz="1400" i="1">
+                              <a:solidFill>
+                                <a:schemeClr val="tx1"/>
+                              </a:solidFill>
+                              <a:latin typeface="Cambria Math" panose="02040503050406030204" pitchFamily="18" charset="0"/>
+                              <a:ea typeface="Cambria Math" panose="02040503050406030204" pitchFamily="18" charset="0"/>
+                            </a:rPr>
+                          </m:ctrlPr>
+                        </m:fPr>
+                        <m:num>
+                          <m:r>
+                            <a:rPr lang="en-US" sz="1400" i="1">
+                              <a:solidFill>
+                                <a:schemeClr val="tx1"/>
+                              </a:solidFill>
+                              <a:latin typeface="Cambria Math" panose="02040503050406030204" pitchFamily="18" charset="0"/>
+                              <a:ea typeface="Cambria Math" panose="02040503050406030204" pitchFamily="18" charset="0"/>
+                            </a:rPr>
+                            <m:t>𝜕</m:t>
+                          </m:r>
+                          <m:sSup>
+                            <m:sSupPr>
+                              <m:ctrlPr>
+                                <a:rPr lang="en-US" sz="1400" i="1">
+                                  <a:solidFill>
+                                    <a:schemeClr val="tx1"/>
+                                  </a:solidFill>
+                                  <a:latin typeface="Cambria Math" panose="02040503050406030204" pitchFamily="18" charset="0"/>
+                                  <a:ea typeface="Cambria Math" panose="02040503050406030204" pitchFamily="18" charset="0"/>
+                                </a:rPr>
+                              </m:ctrlPr>
+                            </m:sSupPr>
+                            <m:e>
+                              <m:r>
+                                <a:rPr lang="en-US" sz="1400" i="1">
+                                  <a:solidFill>
+                                    <a:schemeClr val="tx1"/>
+                                  </a:solidFill>
+                                  <a:latin typeface="Cambria Math" panose="02040503050406030204" pitchFamily="18" charset="0"/>
+                                  <a:ea typeface="Cambria Math" panose="02040503050406030204" pitchFamily="18" charset="0"/>
+                                </a:rPr>
+                                <m:t>𝑧</m:t>
+                              </m:r>
+                            </m:e>
+                            <m:sup>
+                              <m:r>
+                                <a:rPr lang="en-US" sz="1400" i="1">
+                                  <a:solidFill>
+                                    <a:schemeClr val="tx1"/>
+                                  </a:solidFill>
+                                  <a:latin typeface="Cambria Math" panose="02040503050406030204" pitchFamily="18" charset="0"/>
+                                  <a:ea typeface="Cambria Math" panose="02040503050406030204" pitchFamily="18" charset="0"/>
+                                </a:rPr>
+                                <m:t>[</m:t>
+                              </m:r>
+                              <m:r>
+                                <a:rPr lang="en-US" sz="1400" b="0" i="1" smtClean="0">
+                                  <a:solidFill>
+                                    <a:schemeClr val="tx1"/>
+                                  </a:solidFill>
+                                  <a:latin typeface="Cambria Math" panose="02040503050406030204" pitchFamily="18" charset="0"/>
+                                  <a:ea typeface="Cambria Math" panose="02040503050406030204" pitchFamily="18" charset="0"/>
+                                </a:rPr>
+                                <m:t>𝑗</m:t>
+                              </m:r>
+                              <m:r>
+                                <a:rPr lang="en-US" sz="1400" b="0" i="1" smtClean="0">
+                                  <a:solidFill>
+                                    <a:schemeClr val="tx1"/>
+                                  </a:solidFill>
+                                  <a:latin typeface="Cambria Math" panose="02040503050406030204" pitchFamily="18" charset="0"/>
+                                  <a:ea typeface="Cambria Math" panose="02040503050406030204" pitchFamily="18" charset="0"/>
+                                </a:rPr>
+                                <m:t>+1]</m:t>
+                              </m:r>
+                            </m:sup>
+                          </m:sSup>
+                        </m:num>
+                        <m:den>
+                          <m:r>
+                            <a:rPr lang="en-US" sz="1400" i="1">
+                              <a:solidFill>
+                                <a:schemeClr val="tx1"/>
+                              </a:solidFill>
+                              <a:latin typeface="Cambria Math" panose="02040503050406030204" pitchFamily="18" charset="0"/>
+                              <a:ea typeface="Cambria Math" panose="02040503050406030204" pitchFamily="18" charset="0"/>
+                            </a:rPr>
+                            <m:t>𝜕</m:t>
+                          </m:r>
+                          <m:sSup>
+                            <m:sSupPr>
+                              <m:ctrlPr>
+                                <a:rPr lang="en-US" sz="1400" i="1">
+                                  <a:solidFill>
+                                    <a:schemeClr val="tx1"/>
+                                  </a:solidFill>
+                                  <a:latin typeface="Cambria Math" panose="02040503050406030204" pitchFamily="18" charset="0"/>
+                                </a:rPr>
+                              </m:ctrlPr>
+                            </m:sSupPr>
+                            <m:e>
+                              <m:r>
+                                <a:rPr lang="en-US" sz="1400" i="1">
+                                  <a:solidFill>
+                                    <a:schemeClr val="tx1"/>
+                                  </a:solidFill>
+                                  <a:latin typeface="Cambria Math" panose="02040503050406030204" pitchFamily="18" charset="0"/>
+                                </a:rPr>
+                                <m:t>𝑎</m:t>
+                              </m:r>
+                            </m:e>
+                            <m:sup>
+                              <m:r>
+                                <a:rPr lang="en-US" sz="1400" i="1">
+                                  <a:solidFill>
+                                    <a:schemeClr val="tx1"/>
+                                  </a:solidFill>
+                                  <a:latin typeface="Cambria Math" panose="02040503050406030204" pitchFamily="18" charset="0"/>
+                                </a:rPr>
+                                <m:t>[</m:t>
+                              </m:r>
+                              <m:r>
+                                <a:rPr lang="en-US" sz="1400" b="0" i="1" smtClean="0">
+                                  <a:solidFill>
+                                    <a:schemeClr val="tx1"/>
+                                  </a:solidFill>
+                                  <a:latin typeface="Cambria Math" panose="02040503050406030204" pitchFamily="18" charset="0"/>
+                                </a:rPr>
+                                <m:t>𝑗</m:t>
+                              </m:r>
+                              <m:r>
+                                <a:rPr lang="en-US" sz="1400" i="1">
+                                  <a:solidFill>
+                                    <a:schemeClr val="tx1"/>
+                                  </a:solidFill>
+                                  <a:latin typeface="Cambria Math" panose="02040503050406030204" pitchFamily="18" charset="0"/>
+                                </a:rPr>
+                                <m:t>]</m:t>
+                              </m:r>
+                            </m:sup>
+                          </m:sSup>
+                        </m:den>
+                      </m:f>
+                      <m:f>
+                        <m:fPr>
+                          <m:ctrlPr>
+                            <a:rPr lang="en-US" sz="1400" i="1">
+                              <a:solidFill>
+                                <a:schemeClr val="tx1"/>
+                              </a:solidFill>
+                              <a:latin typeface="Cambria Math" panose="02040503050406030204" pitchFamily="18" charset="0"/>
+                              <a:ea typeface="Cambria Math" panose="02040503050406030204" pitchFamily="18" charset="0"/>
+                            </a:rPr>
+                          </m:ctrlPr>
+                        </m:fPr>
+                        <m:num>
+                          <m:r>
+                            <a:rPr lang="en-US" sz="1400" i="1">
+                              <a:solidFill>
+                                <a:schemeClr val="tx1"/>
+                              </a:solidFill>
+                              <a:latin typeface="Cambria Math" panose="02040503050406030204" pitchFamily="18" charset="0"/>
+                              <a:ea typeface="Cambria Math" panose="02040503050406030204" pitchFamily="18" charset="0"/>
+                            </a:rPr>
+                            <m:t>𝜕</m:t>
+                          </m:r>
+                          <m:sSup>
+                            <m:sSupPr>
+                              <m:ctrlPr>
+                                <a:rPr lang="en-US" sz="1400" i="1">
+                                  <a:solidFill>
+                                    <a:schemeClr val="tx1"/>
+                                  </a:solidFill>
+                                  <a:latin typeface="Cambria Math" panose="02040503050406030204" pitchFamily="18" charset="0"/>
+                                  <a:ea typeface="Cambria Math" panose="02040503050406030204" pitchFamily="18" charset="0"/>
+                                </a:rPr>
+                              </m:ctrlPr>
+                            </m:sSupPr>
+                            <m:e>
+                              <m:r>
+                                <a:rPr lang="en-US" sz="1400" i="1">
+                                  <a:solidFill>
+                                    <a:schemeClr val="tx1"/>
+                                  </a:solidFill>
+                                  <a:latin typeface="Cambria Math" panose="02040503050406030204" pitchFamily="18" charset="0"/>
+                                  <a:ea typeface="Cambria Math" panose="02040503050406030204" pitchFamily="18" charset="0"/>
+                                </a:rPr>
+                                <m:t>𝑎</m:t>
+                              </m:r>
+                            </m:e>
+                            <m:sup>
+                              <m:r>
+                                <a:rPr lang="en-US" sz="1400" i="1">
+                                  <a:solidFill>
+                                    <a:schemeClr val="tx1"/>
+                                  </a:solidFill>
+                                  <a:latin typeface="Cambria Math" panose="02040503050406030204" pitchFamily="18" charset="0"/>
+                                  <a:ea typeface="Cambria Math" panose="02040503050406030204" pitchFamily="18" charset="0"/>
+                                </a:rPr>
+                                <m:t>[</m:t>
+                              </m:r>
+                              <m:r>
+                                <a:rPr lang="en-US" sz="1400" b="0" i="1" smtClean="0">
+                                  <a:solidFill>
+                                    <a:schemeClr val="tx1"/>
+                                  </a:solidFill>
+                                  <a:latin typeface="Cambria Math" panose="02040503050406030204" pitchFamily="18" charset="0"/>
+                                  <a:ea typeface="Cambria Math" panose="02040503050406030204" pitchFamily="18" charset="0"/>
+                                </a:rPr>
+                                <m:t>𝑗</m:t>
+                              </m:r>
+                              <m:r>
+                                <a:rPr lang="en-US" sz="1400" i="1">
+                                  <a:solidFill>
+                                    <a:schemeClr val="tx1"/>
+                                  </a:solidFill>
+                                  <a:latin typeface="Cambria Math" panose="02040503050406030204" pitchFamily="18" charset="0"/>
+                                  <a:ea typeface="Cambria Math" panose="02040503050406030204" pitchFamily="18" charset="0"/>
+                                </a:rPr>
+                                <m:t>]</m:t>
+                              </m:r>
+                            </m:sup>
+                          </m:sSup>
+                        </m:num>
+                        <m:den>
+                          <m:r>
+                            <a:rPr lang="en-US" sz="1400" i="1">
+                              <a:solidFill>
+                                <a:schemeClr val="tx1"/>
+                              </a:solidFill>
+                              <a:latin typeface="Cambria Math" panose="02040503050406030204" pitchFamily="18" charset="0"/>
+                              <a:ea typeface="Cambria Math" panose="02040503050406030204" pitchFamily="18" charset="0"/>
+                            </a:rPr>
+                            <m:t>𝜕</m:t>
+                          </m:r>
+                          <m:sSup>
+                            <m:sSupPr>
+                              <m:ctrlPr>
+                                <a:rPr lang="en-US" sz="1400" i="1">
+                                  <a:solidFill>
+                                    <a:schemeClr val="tx1"/>
+                                  </a:solidFill>
+                                  <a:latin typeface="Cambria Math" panose="02040503050406030204" pitchFamily="18" charset="0"/>
+                                </a:rPr>
+                              </m:ctrlPr>
+                            </m:sSupPr>
+                            <m:e>
+                              <m:r>
+                                <a:rPr lang="en-US" sz="1400" i="1">
+                                  <a:solidFill>
+                                    <a:schemeClr val="tx1"/>
+                                  </a:solidFill>
+                                  <a:latin typeface="Cambria Math" panose="02040503050406030204" pitchFamily="18" charset="0"/>
+                                </a:rPr>
+                                <m:t>𝑧</m:t>
+                              </m:r>
+                            </m:e>
+                            <m:sup>
+                              <m:r>
+                                <a:rPr lang="en-US" sz="1400" i="1">
+                                  <a:solidFill>
+                                    <a:schemeClr val="tx1"/>
+                                  </a:solidFill>
+                                  <a:latin typeface="Cambria Math" panose="02040503050406030204" pitchFamily="18" charset="0"/>
+                                </a:rPr>
+                                <m:t>[</m:t>
+                              </m:r>
+                              <m:r>
+                                <a:rPr lang="en-US" sz="1400" b="0" i="1" smtClean="0">
+                                  <a:solidFill>
+                                    <a:schemeClr val="tx1"/>
+                                  </a:solidFill>
+                                  <a:latin typeface="Cambria Math" panose="02040503050406030204" pitchFamily="18" charset="0"/>
+                                </a:rPr>
+                                <m:t>𝑗</m:t>
+                              </m:r>
+                              <m:r>
+                                <a:rPr lang="en-US" sz="1400" i="1">
+                                  <a:solidFill>
+                                    <a:schemeClr val="tx1"/>
+                                  </a:solidFill>
+                                  <a:latin typeface="Cambria Math" panose="02040503050406030204" pitchFamily="18" charset="0"/>
+                                </a:rPr>
+                                <m:t>]</m:t>
+                              </m:r>
+                            </m:sup>
+                          </m:sSup>
+                        </m:den>
+                      </m:f>
+                    </m:oMath>
+                  </m:oMathPara>
+                </a14:m>
+                <a:endParaRPr lang="en-US" sz="1400" dirty="0"/>
+              </a:p>
+            </p:txBody>
+          </p:sp>
+        </mc:Choice>
+        <mc:Fallback>
+          <p:sp>
+            <p:nvSpPr>
+              <p:cNvPr id="11" name="Rectangle 10">
+                <a:extLst>
+                  <a:ext uri="{FF2B5EF4-FFF2-40B4-BE49-F238E27FC236}">
+                    <a16:creationId xmlns="" xmlns:a16="http://schemas.microsoft.com/office/drawing/2014/main" xmlns:a14="http://schemas.microsoft.com/office/drawing/2010/main" id="{6DEF7A01-61E1-442A-B48A-BD8C2FF4D651}"/>
+                  </a:ext>
+                </a:extLst>
+              </p:cNvPr>
+              <p:cNvSpPr>
+                <a:spLocks noRot="1" noChangeAspect="1" noMove="1" noResize="1" noEditPoints="1" noAdjustHandles="1" noChangeArrowheads="1" noChangeShapeType="1" noTextEdit="1"/>
+              </p:cNvSpPr>
+              <p:nvPr/>
+            </p:nvSpPr>
+            <p:spPr>
+              <a:xfrm>
+                <a:off x="-213764" y="2886628"/>
+                <a:ext cx="3651421" cy="538289"/>
+              </a:xfrm>
+              <a:prstGeom prst="rect">
+                <a:avLst/>
+              </a:prstGeom>
+              <a:blipFill rotWithShape="0">
+                <a:blip r:embed="rId5"/>
+                <a:stretch>
+                  <a:fillRect/>
+                </a:stretch>
+              </a:blipFill>
+            </p:spPr>
+            <p:txBody>
+              <a:bodyPr/>
+              <a:lstStyle/>
+              <a:p>
+                <a:r>
+                  <a:rPr lang="en-US">
+                    <a:noFill/>
+                  </a:rPr>
+                  <a:t> </a:t>
+                </a:r>
+              </a:p>
+            </p:txBody>
+          </p:sp>
+        </mc:Fallback>
+      </mc:AlternateContent>
+      <p:cxnSp>
+        <p:nvCxnSpPr>
+          <p:cNvPr id="12" name="Straight Arrow Connector 11"/>
+          <p:cNvCxnSpPr/>
+          <p:nvPr/>
+        </p:nvCxnSpPr>
+        <p:spPr>
+          <a:xfrm>
+            <a:off x="2883049" y="1954701"/>
+            <a:ext cx="828339" cy="0"/>
+          </a:xfrm>
+          <a:prstGeom prst="straightConnector1">
+            <a:avLst/>
+          </a:prstGeom>
+          <a:ln w="38100">
+            <a:solidFill>
+              <a:schemeClr val="tx1"/>
+            </a:solidFill>
+            <a:tailEnd type="triangle"/>
+          </a:ln>
+        </p:spPr>
+        <p:style>
+          <a:lnRef idx="1">
+            <a:schemeClr val="accent1"/>
+          </a:lnRef>
+          <a:fillRef idx="0">
+            <a:schemeClr val="accent1"/>
+          </a:fillRef>
+          <a:effectRef idx="0">
+            <a:schemeClr val="accent1"/>
+          </a:effectRef>
+          <a:fontRef idx="minor">
+            <a:schemeClr val="tx1"/>
+          </a:fontRef>
+        </p:style>
+      </p:cxnSp>
+      <mc:AlternateContent xmlns:mc="http://schemas.openxmlformats.org/markup-compatibility/2006">
+        <mc:Choice xmlns:a14="http://schemas.microsoft.com/office/drawing/2010/main" Requires="a14">
+          <p:sp>
+            <p:nvSpPr>
+              <p:cNvPr id="13" name="Rectangle 12">
+                <a:extLst>
+                  <a:ext uri="{FF2B5EF4-FFF2-40B4-BE49-F238E27FC236}">
+                    <a16:creationId xmlns="" xmlns:a16="http://schemas.microsoft.com/office/drawing/2014/main" id="{6DEF7A01-61E1-442A-B48A-BD8C2FF4D651}"/>
+                  </a:ext>
+                </a:extLst>
+              </p:cNvPr>
+              <p:cNvSpPr/>
+              <p:nvPr/>
+            </p:nvSpPr>
+            <p:spPr>
+              <a:xfrm>
+                <a:off x="3327296" y="2837511"/>
+                <a:ext cx="3651421" cy="636521"/>
+              </a:xfrm>
+              <a:prstGeom prst="rect">
+                <a:avLst/>
+              </a:prstGeom>
+            </p:spPr>
+            <p:txBody>
+              <a:bodyPr wrap="square">
+                <a:spAutoFit/>
+              </a:bodyPr>
+              <a:lstStyle/>
+              <a:p>
+                <a:pPr/>
+                <a14:m>
+                  <m:oMathPara xmlns:m="http://schemas.openxmlformats.org/officeDocument/2006/math">
+                    <m:oMathParaPr>
+                      <m:jc m:val="centerGroup"/>
+                    </m:oMathParaPr>
+                    <m:oMath xmlns:m="http://schemas.openxmlformats.org/officeDocument/2006/math">
+                      <m:sSup>
+                        <m:sSupPr>
+                          <m:ctrlPr>
+                            <a:rPr lang="en-US" sz="1400" b="0" i="1" smtClean="0">
+                              <a:solidFill>
+                                <a:schemeClr val="tx1"/>
+                              </a:solidFill>
+                              <a:latin typeface="Cambria Math" panose="02040503050406030204" pitchFamily="18" charset="0"/>
+                            </a:rPr>
+                          </m:ctrlPr>
+                        </m:sSupPr>
+                        <m:e>
+                          <m:r>
+                            <a:rPr lang="en-US" sz="1400" b="0" i="1" smtClean="0">
+                              <a:solidFill>
+                                <a:schemeClr val="tx1"/>
+                              </a:solidFill>
+                              <a:latin typeface="Cambria Math" panose="02040503050406030204" pitchFamily="18" charset="0"/>
+                              <a:ea typeface="Cambria Math" panose="02040503050406030204" pitchFamily="18" charset="0"/>
+                            </a:rPr>
+                            <m:t>𝛿</m:t>
+                          </m:r>
+                        </m:e>
+                        <m:sup>
+                          <m:r>
+                            <a:rPr lang="en-US" sz="1400" b="0" i="1" smtClean="0">
+                              <a:solidFill>
+                                <a:schemeClr val="tx1"/>
+                              </a:solidFill>
+                              <a:latin typeface="Cambria Math" panose="02040503050406030204" pitchFamily="18" charset="0"/>
+                            </a:rPr>
+                            <m:t>𝑗</m:t>
+                          </m:r>
+                        </m:sup>
+                      </m:sSup>
+                      <m:r>
+                        <a:rPr lang="en-US" sz="1400" b="0" i="1" smtClean="0">
+                          <a:solidFill>
+                            <a:schemeClr val="tx1"/>
+                          </a:solidFill>
+                          <a:latin typeface="Cambria Math" panose="02040503050406030204" pitchFamily="18" charset="0"/>
+                        </a:rPr>
+                        <m:t>=</m:t>
+                      </m:r>
+                      <m:sSup>
+                        <m:sSupPr>
+                          <m:ctrlPr>
+                            <a:rPr lang="en-US" sz="1400" b="0" i="1" smtClean="0">
+                              <a:solidFill>
+                                <a:schemeClr val="tx1"/>
+                              </a:solidFill>
+                              <a:latin typeface="Cambria Math" panose="02040503050406030204" pitchFamily="18" charset="0"/>
+                            </a:rPr>
+                          </m:ctrlPr>
+                        </m:sSupPr>
+                        <m:e>
+                          <m:r>
+                            <a:rPr lang="en-US" sz="1400" b="0" i="1" smtClean="0">
+                              <a:solidFill>
+                                <a:schemeClr val="tx1"/>
+                              </a:solidFill>
+                              <a:latin typeface="Cambria Math" panose="02040503050406030204" pitchFamily="18" charset="0"/>
+                            </a:rPr>
+                            <m:t>(</m:t>
+                          </m:r>
+                          <m:d>
+                            <m:dPr>
+                              <m:begChr m:val="["/>
+                              <m:endChr m:val="]"/>
+                              <m:ctrlPr>
+                                <a:rPr lang="en-US" sz="1400" b="0" i="1" smtClean="0">
+                                  <a:solidFill>
+                                    <a:schemeClr val="tx1"/>
+                                  </a:solidFill>
+                                  <a:latin typeface="Cambria Math" panose="02040503050406030204" pitchFamily="18" charset="0"/>
+                                  <a:ea typeface="Cambria Math" panose="02040503050406030204" pitchFamily="18" charset="0"/>
+                                </a:rPr>
+                              </m:ctrlPr>
+                            </m:dPr>
+                            <m:e>
+                              <m:f>
+                                <m:fPr>
+                                  <m:ctrlPr>
+                                    <a:rPr lang="en-US" sz="1400" i="1" smtClean="0">
+                                      <a:latin typeface="Cambria Math" panose="02040503050406030204" pitchFamily="18" charset="0"/>
+                                      <a:ea typeface="Cambria Math" panose="02040503050406030204" pitchFamily="18" charset="0"/>
+                                    </a:rPr>
+                                  </m:ctrlPr>
+                                </m:fPr>
+                                <m:num>
+                                  <m:r>
+                                    <a:rPr lang="en-US" sz="1400" i="1">
+                                      <a:latin typeface="Cambria Math" panose="02040503050406030204" pitchFamily="18" charset="0"/>
+                                      <a:ea typeface="Cambria Math" panose="02040503050406030204" pitchFamily="18" charset="0"/>
+                                    </a:rPr>
+                                    <m:t>𝜕</m:t>
+                                  </m:r>
+                                  <m:sSup>
+                                    <m:sSupPr>
+                                      <m:ctrlPr>
+                                        <a:rPr lang="en-US" sz="1400" i="1">
+                                          <a:latin typeface="Cambria Math" panose="02040503050406030204" pitchFamily="18" charset="0"/>
+                                          <a:ea typeface="Cambria Math" panose="02040503050406030204" pitchFamily="18" charset="0"/>
+                                        </a:rPr>
+                                      </m:ctrlPr>
+                                    </m:sSupPr>
+                                    <m:e>
+                                      <m:r>
+                                        <a:rPr lang="en-US" sz="1400" i="1">
+                                          <a:latin typeface="Cambria Math" panose="02040503050406030204" pitchFamily="18" charset="0"/>
+                                          <a:ea typeface="Cambria Math" panose="02040503050406030204" pitchFamily="18" charset="0"/>
+                                        </a:rPr>
+                                        <m:t>𝑧</m:t>
+                                      </m:r>
+                                    </m:e>
+                                    <m:sup>
+                                      <m:d>
+                                        <m:dPr>
+                                          <m:begChr m:val="["/>
+                                          <m:endChr m:val="]"/>
+                                          <m:ctrlPr>
+                                            <a:rPr lang="en-US" sz="1400" i="1">
+                                              <a:latin typeface="Cambria Math" panose="02040503050406030204" pitchFamily="18" charset="0"/>
+                                              <a:ea typeface="Cambria Math" panose="02040503050406030204" pitchFamily="18" charset="0"/>
+                                            </a:rPr>
+                                          </m:ctrlPr>
+                                        </m:dPr>
+                                        <m:e>
+                                          <m:r>
+                                            <a:rPr lang="en-US" sz="1400" i="1">
+                                              <a:latin typeface="Cambria Math" panose="02040503050406030204" pitchFamily="18" charset="0"/>
+                                              <a:ea typeface="Cambria Math" panose="02040503050406030204" pitchFamily="18" charset="0"/>
+                                            </a:rPr>
+                                            <m:t>𝑗</m:t>
+                                          </m:r>
+                                          <m:r>
+                                            <a:rPr lang="en-US" sz="1400" i="1">
+                                              <a:latin typeface="Cambria Math" panose="02040503050406030204" pitchFamily="18" charset="0"/>
+                                              <a:ea typeface="Cambria Math" panose="02040503050406030204" pitchFamily="18" charset="0"/>
+                                            </a:rPr>
+                                            <m:t>+1</m:t>
+                                          </m:r>
+                                        </m:e>
+                                      </m:d>
+                                    </m:sup>
+                                  </m:sSup>
+                                </m:num>
+                                <m:den>
+                                  <m:r>
+                                    <a:rPr lang="en-US" sz="1400" i="1">
+                                      <a:latin typeface="Cambria Math" panose="02040503050406030204" pitchFamily="18" charset="0"/>
+                                      <a:ea typeface="Cambria Math" panose="02040503050406030204" pitchFamily="18" charset="0"/>
+                                    </a:rPr>
+                                    <m:t>𝜕</m:t>
+                                  </m:r>
+                                  <m:sSup>
+                                    <m:sSupPr>
+                                      <m:ctrlPr>
+                                        <a:rPr lang="en-US" sz="1400" i="1">
+                                          <a:latin typeface="Cambria Math" panose="02040503050406030204" pitchFamily="18" charset="0"/>
+                                        </a:rPr>
+                                      </m:ctrlPr>
+                                    </m:sSupPr>
+                                    <m:e>
+                                      <m:r>
+                                        <a:rPr lang="en-US" sz="1400" i="1">
+                                          <a:latin typeface="Cambria Math" panose="02040503050406030204" pitchFamily="18" charset="0"/>
+                                        </a:rPr>
+                                        <m:t>𝑎</m:t>
+                                      </m:r>
+                                    </m:e>
+                                    <m:sup>
+                                      <m:d>
+                                        <m:dPr>
+                                          <m:begChr m:val="["/>
+                                          <m:endChr m:val="]"/>
+                                          <m:ctrlPr>
+                                            <a:rPr lang="en-US" sz="1400" i="1">
+                                              <a:latin typeface="Cambria Math" panose="02040503050406030204" pitchFamily="18" charset="0"/>
+                                            </a:rPr>
+                                          </m:ctrlPr>
+                                        </m:dPr>
+                                        <m:e>
+                                          <m:r>
+                                            <a:rPr lang="en-US" sz="1400" i="1">
+                                              <a:latin typeface="Cambria Math" panose="02040503050406030204" pitchFamily="18" charset="0"/>
+                                            </a:rPr>
+                                            <m:t>𝑗</m:t>
+                                          </m:r>
+                                        </m:e>
+                                      </m:d>
+                                    </m:sup>
+                                  </m:sSup>
+                                </m:den>
+                              </m:f>
+                            </m:e>
+                          </m:d>
+                        </m:e>
+                        <m:sup>
+                          <m:r>
+                            <a:rPr lang="en-US" sz="1400" b="0" i="1" smtClean="0">
+                              <a:solidFill>
+                                <a:schemeClr val="tx1"/>
+                              </a:solidFill>
+                              <a:latin typeface="Cambria Math" panose="02040503050406030204" pitchFamily="18" charset="0"/>
+                            </a:rPr>
+                            <m:t>𝑇</m:t>
+                          </m:r>
+                        </m:sup>
+                      </m:sSup>
+                      <m:sSup>
+                        <m:sSupPr>
+                          <m:ctrlPr>
+                            <a:rPr lang="en-US" sz="1400" i="1">
+                              <a:latin typeface="Cambria Math" panose="02040503050406030204" pitchFamily="18" charset="0"/>
+                            </a:rPr>
+                          </m:ctrlPr>
+                        </m:sSupPr>
+                        <m:e>
+                          <m:r>
+                            <a:rPr lang="en-US" sz="1400" i="1">
+                              <a:latin typeface="Cambria Math" panose="02040503050406030204" pitchFamily="18" charset="0"/>
+                              <a:ea typeface="Cambria Math" panose="02040503050406030204" pitchFamily="18" charset="0"/>
+                            </a:rPr>
+                            <m:t>𝛿</m:t>
+                          </m:r>
+                        </m:e>
+                        <m:sup>
+                          <m:r>
+                            <a:rPr lang="en-US" sz="1400" i="1">
+                              <a:latin typeface="Cambria Math" panose="02040503050406030204" pitchFamily="18" charset="0"/>
+                            </a:rPr>
+                            <m:t>𝑗</m:t>
+                          </m:r>
+                          <m:r>
+                            <a:rPr lang="en-US" sz="1400" i="1">
+                              <a:latin typeface="Cambria Math" panose="02040503050406030204" pitchFamily="18" charset="0"/>
+                            </a:rPr>
+                            <m:t>+1</m:t>
+                          </m:r>
+                        </m:sup>
+                      </m:sSup>
+                      <m:r>
+                        <a:rPr lang="en-US" sz="1400" b="0" i="1" smtClean="0">
+                          <a:latin typeface="Cambria Math" panose="02040503050406030204" pitchFamily="18" charset="0"/>
+                        </a:rPr>
+                        <m:t>) ∗</m:t>
+                      </m:r>
+                      <m:d>
+                        <m:dPr>
+                          <m:ctrlPr>
+                            <a:rPr lang="en-US" sz="1400" b="0" i="1" smtClean="0">
+                              <a:latin typeface="Cambria Math" panose="02040503050406030204" pitchFamily="18" charset="0"/>
+                            </a:rPr>
+                          </m:ctrlPr>
+                        </m:dPr>
+                        <m:e>
+                          <m:f>
+                            <m:fPr>
+                              <m:ctrlPr>
+                                <a:rPr lang="en-US" sz="1400" i="1">
+                                  <a:solidFill>
+                                    <a:schemeClr val="tx1"/>
+                                  </a:solidFill>
+                                  <a:latin typeface="Cambria Math" panose="02040503050406030204" pitchFamily="18" charset="0"/>
+                                  <a:ea typeface="Cambria Math" panose="02040503050406030204" pitchFamily="18" charset="0"/>
+                                </a:rPr>
+                              </m:ctrlPr>
+                            </m:fPr>
+                            <m:num>
+                              <m:r>
+                                <a:rPr lang="en-US" sz="1400" i="1">
+                                  <a:solidFill>
+                                    <a:schemeClr val="tx1"/>
+                                  </a:solidFill>
+                                  <a:latin typeface="Cambria Math" panose="02040503050406030204" pitchFamily="18" charset="0"/>
+                                  <a:ea typeface="Cambria Math" panose="02040503050406030204" pitchFamily="18" charset="0"/>
+                                </a:rPr>
+                                <m:t>𝜕</m:t>
+                              </m:r>
+                              <m:sSup>
+                                <m:sSupPr>
+                                  <m:ctrlPr>
+                                    <a:rPr lang="en-US" sz="1400" i="1">
+                                      <a:solidFill>
+                                        <a:schemeClr val="tx1"/>
+                                      </a:solidFill>
+                                      <a:latin typeface="Cambria Math" panose="02040503050406030204" pitchFamily="18" charset="0"/>
+                                      <a:ea typeface="Cambria Math" panose="02040503050406030204" pitchFamily="18" charset="0"/>
+                                    </a:rPr>
+                                  </m:ctrlPr>
+                                </m:sSupPr>
+                                <m:e>
+                                  <m:r>
+                                    <a:rPr lang="en-US" sz="1400" i="1">
+                                      <a:solidFill>
+                                        <a:schemeClr val="tx1"/>
+                                      </a:solidFill>
+                                      <a:latin typeface="Cambria Math" panose="02040503050406030204" pitchFamily="18" charset="0"/>
+                                      <a:ea typeface="Cambria Math" panose="02040503050406030204" pitchFamily="18" charset="0"/>
+                                    </a:rPr>
+                                    <m:t>𝑎</m:t>
+                                  </m:r>
+                                </m:e>
+                                <m:sup>
+                                  <m:d>
+                                    <m:dPr>
+                                      <m:begChr m:val="["/>
+                                      <m:endChr m:val="]"/>
+                                      <m:ctrlPr>
+                                        <a:rPr lang="en-US" sz="1400" b="0" i="1">
+                                          <a:solidFill>
+                                            <a:schemeClr val="tx1"/>
+                                          </a:solidFill>
+                                          <a:latin typeface="Cambria Math" panose="02040503050406030204" pitchFamily="18" charset="0"/>
+                                          <a:ea typeface="Cambria Math" panose="02040503050406030204" pitchFamily="18" charset="0"/>
+                                        </a:rPr>
+                                      </m:ctrlPr>
+                                    </m:dPr>
+                                    <m:e>
+                                      <m:r>
+                                        <a:rPr lang="en-US" sz="1400" b="0" i="1" smtClean="0">
+                                          <a:solidFill>
+                                            <a:schemeClr val="tx1"/>
+                                          </a:solidFill>
+                                          <a:latin typeface="Cambria Math" panose="02040503050406030204" pitchFamily="18" charset="0"/>
+                                          <a:ea typeface="Cambria Math" panose="02040503050406030204" pitchFamily="18" charset="0"/>
+                                        </a:rPr>
+                                        <m:t>𝑗</m:t>
+                                      </m:r>
+                                    </m:e>
+                                  </m:d>
+                                </m:sup>
+                              </m:sSup>
+                            </m:num>
+                            <m:den>
+                              <m:r>
+                                <a:rPr lang="en-US" sz="1400" i="1">
+                                  <a:solidFill>
+                                    <a:schemeClr val="tx1"/>
+                                  </a:solidFill>
+                                  <a:latin typeface="Cambria Math" panose="02040503050406030204" pitchFamily="18" charset="0"/>
+                                  <a:ea typeface="Cambria Math" panose="02040503050406030204" pitchFamily="18" charset="0"/>
+                                </a:rPr>
+                                <m:t>𝜕</m:t>
+                              </m:r>
+                              <m:sSup>
+                                <m:sSupPr>
+                                  <m:ctrlPr>
+                                    <a:rPr lang="en-US" sz="1400" i="1">
+                                      <a:solidFill>
+                                        <a:schemeClr val="tx1"/>
+                                      </a:solidFill>
+                                      <a:latin typeface="Cambria Math" panose="02040503050406030204" pitchFamily="18" charset="0"/>
+                                    </a:rPr>
+                                  </m:ctrlPr>
+                                </m:sSupPr>
+                                <m:e>
+                                  <m:r>
+                                    <a:rPr lang="en-US" sz="1400" i="1">
+                                      <a:solidFill>
+                                        <a:schemeClr val="tx1"/>
+                                      </a:solidFill>
+                                      <a:latin typeface="Cambria Math" panose="02040503050406030204" pitchFamily="18" charset="0"/>
+                                    </a:rPr>
+                                    <m:t>𝑧</m:t>
+                                  </m:r>
+                                </m:e>
+                                <m:sup>
+                                  <m:d>
+                                    <m:dPr>
+                                      <m:begChr m:val="["/>
+                                      <m:endChr m:val="]"/>
+                                      <m:ctrlPr>
+                                        <a:rPr lang="en-US" sz="1400" b="0" i="1">
+                                          <a:solidFill>
+                                            <a:schemeClr val="tx1"/>
+                                          </a:solidFill>
+                                          <a:latin typeface="Cambria Math" panose="02040503050406030204" pitchFamily="18" charset="0"/>
+                                        </a:rPr>
+                                      </m:ctrlPr>
+                                    </m:dPr>
+                                    <m:e>
+                                      <m:r>
+                                        <a:rPr lang="en-US" sz="1400" b="0" i="1" smtClean="0">
+                                          <a:solidFill>
+                                            <a:schemeClr val="tx1"/>
+                                          </a:solidFill>
+                                          <a:latin typeface="Cambria Math" panose="02040503050406030204" pitchFamily="18" charset="0"/>
+                                        </a:rPr>
+                                        <m:t>𝑗</m:t>
+                                      </m:r>
+                                    </m:e>
+                                  </m:d>
+                                </m:sup>
+                              </m:sSup>
+                            </m:den>
+                          </m:f>
+                        </m:e>
+                      </m:d>
+                      <m:r>
+                        <a:rPr lang="en-US" sz="1400" b="0" i="1" smtClean="0">
+                          <a:solidFill>
+                            <a:schemeClr val="tx1"/>
+                          </a:solidFill>
+                          <a:latin typeface="Cambria Math" panose="02040503050406030204" pitchFamily="18" charset="0"/>
+                        </a:rPr>
+                        <m:t> </m:t>
+                      </m:r>
+                    </m:oMath>
+                  </m:oMathPara>
+                </a14:m>
+                <a:endParaRPr lang="en-US" sz="1400" dirty="0"/>
+              </a:p>
+            </p:txBody>
+          </p:sp>
+        </mc:Choice>
+        <mc:Fallback>
+          <p:sp>
+            <p:nvSpPr>
+              <p:cNvPr id="13" name="Rectangle 12">
+                <a:extLst>
+                  <a:ext uri="{FF2B5EF4-FFF2-40B4-BE49-F238E27FC236}">
+                    <a16:creationId xmlns="" xmlns:a16="http://schemas.microsoft.com/office/drawing/2014/main" xmlns:a14="http://schemas.microsoft.com/office/drawing/2010/main" id="{6DEF7A01-61E1-442A-B48A-BD8C2FF4D651}"/>
+                  </a:ext>
+                </a:extLst>
+              </p:cNvPr>
+              <p:cNvSpPr>
+                <a:spLocks noRot="1" noChangeAspect="1" noMove="1" noResize="1" noEditPoints="1" noAdjustHandles="1" noChangeArrowheads="1" noChangeShapeType="1" noTextEdit="1"/>
+              </p:cNvSpPr>
+              <p:nvPr/>
+            </p:nvSpPr>
+            <p:spPr>
+              <a:xfrm>
+                <a:off x="3327296" y="2837511"/>
+                <a:ext cx="3651421" cy="636521"/>
+              </a:xfrm>
+              <a:prstGeom prst="rect">
+                <a:avLst/>
+              </a:prstGeom>
+              <a:blipFill rotWithShape="0">
+                <a:blip r:embed="rId6"/>
+                <a:stretch>
+                  <a:fillRect/>
+                </a:stretch>
+              </a:blipFill>
+            </p:spPr>
+            <p:txBody>
+              <a:bodyPr/>
+              <a:lstStyle/>
+              <a:p>
+                <a:r>
+                  <a:rPr lang="en-US">
+                    <a:noFill/>
+                  </a:rPr>
+                  <a:t> </a:t>
+                </a:r>
+              </a:p>
+            </p:txBody>
+          </p:sp>
+        </mc:Fallback>
+      </mc:AlternateContent>
+      <p:cxnSp>
+        <p:nvCxnSpPr>
+          <p:cNvPr id="16" name="Straight Arrow Connector 15"/>
+          <p:cNvCxnSpPr/>
+          <p:nvPr/>
+        </p:nvCxnSpPr>
+        <p:spPr>
+          <a:xfrm>
+            <a:off x="2883048" y="3155771"/>
+            <a:ext cx="828339" cy="0"/>
+          </a:xfrm>
+          <a:prstGeom prst="straightConnector1">
+            <a:avLst/>
+          </a:prstGeom>
+          <a:ln w="38100">
+            <a:solidFill>
+              <a:schemeClr val="tx1"/>
+            </a:solidFill>
+            <a:tailEnd type="triangle"/>
+          </a:ln>
+        </p:spPr>
+        <p:style>
+          <a:lnRef idx="1">
+            <a:schemeClr val="accent1"/>
+          </a:lnRef>
+          <a:fillRef idx="0">
+            <a:schemeClr val="accent1"/>
+          </a:fillRef>
+          <a:effectRef idx="0">
+            <a:schemeClr val="accent1"/>
+          </a:effectRef>
+          <a:fontRef idx="minor">
+            <a:schemeClr val="tx1"/>
+          </a:fontRef>
+        </p:style>
+      </p:cxnSp>
+      <mc:AlternateContent xmlns:mc="http://schemas.openxmlformats.org/markup-compatibility/2006">
+        <mc:Choice xmlns:a14="http://schemas.microsoft.com/office/drawing/2010/main" Requires="a14">
+          <p:sp>
+            <p:nvSpPr>
+              <p:cNvPr id="17" name="Rectangle 16">
+                <a:extLst>
+                  <a:ext uri="{FF2B5EF4-FFF2-40B4-BE49-F238E27FC236}">
+                    <a16:creationId xmlns="" xmlns:a16="http://schemas.microsoft.com/office/drawing/2014/main" id="{1C8203EE-14DB-4E90-B4A9-996B69C97C95}"/>
+                  </a:ext>
+                </a:extLst>
+              </p:cNvPr>
+              <p:cNvSpPr/>
+              <p:nvPr/>
+            </p:nvSpPr>
+            <p:spPr>
+              <a:xfrm>
+                <a:off x="-446397" y="3684663"/>
+                <a:ext cx="3651421" cy="538289"/>
+              </a:xfrm>
+              <a:prstGeom prst="rect">
+                <a:avLst/>
+              </a:prstGeom>
+            </p:spPr>
+            <p:txBody>
+              <a:bodyPr wrap="square">
+                <a:spAutoFit/>
+              </a:bodyPr>
+              <a:lstStyle/>
+              <a:p>
+                <a:pPr/>
+                <a14:m>
+                  <m:oMathPara xmlns:m="http://schemas.openxmlformats.org/officeDocument/2006/math">
+                    <m:oMathParaPr>
+                      <m:jc m:val="centerGroup"/>
+                    </m:oMathParaPr>
+                    <m:oMath xmlns:m="http://schemas.openxmlformats.org/officeDocument/2006/math">
+                      <m:f>
+                        <m:fPr>
+                          <m:ctrlPr>
+                            <a:rPr lang="en-US" sz="1400" b="0" i="1" smtClean="0">
+                              <a:latin typeface="Cambria Math" panose="02040503050406030204" pitchFamily="18" charset="0"/>
+                              <a:ea typeface="Cambria Math" panose="02040503050406030204" pitchFamily="18" charset="0"/>
+                            </a:rPr>
+                          </m:ctrlPr>
+                        </m:fPr>
+                        <m:num>
+                          <m:r>
+                            <a:rPr lang="en-US" sz="1400" b="0" i="1" smtClean="0">
+                              <a:latin typeface="Cambria Math" panose="02040503050406030204" pitchFamily="18" charset="0"/>
+                              <a:ea typeface="Cambria Math" panose="02040503050406030204" pitchFamily="18" charset="0"/>
+                            </a:rPr>
+                            <m:t>𝜕</m:t>
+                          </m:r>
+                          <m:r>
+                            <a:rPr lang="en-US" sz="1400" b="0" i="1" smtClean="0">
+                              <a:latin typeface="Cambria Math" panose="02040503050406030204" pitchFamily="18" charset="0"/>
+                              <a:ea typeface="Cambria Math" panose="02040503050406030204" pitchFamily="18" charset="0"/>
+                            </a:rPr>
+                            <m:t>𝐶</m:t>
+                          </m:r>
+                        </m:num>
+                        <m:den>
+                          <m:r>
+                            <a:rPr lang="en-US" sz="1400" b="0" i="1" smtClean="0">
+                              <a:latin typeface="Cambria Math" panose="02040503050406030204" pitchFamily="18" charset="0"/>
+                              <a:ea typeface="Cambria Math" panose="02040503050406030204" pitchFamily="18" charset="0"/>
+                            </a:rPr>
+                            <m:t>𝜕</m:t>
+                          </m:r>
+                          <m:sSup>
+                            <m:sSupPr>
+                              <m:ctrlPr>
+                                <a:rPr lang="en-US" sz="1400" i="1" smtClean="0">
+                                  <a:latin typeface="Cambria Math" panose="02040503050406030204" pitchFamily="18" charset="0"/>
+                                </a:rPr>
+                              </m:ctrlPr>
+                            </m:sSupPr>
+                            <m:e>
+                              <m:r>
+                                <a:rPr lang="en-US" sz="1400" b="0" i="1" smtClean="0">
+                                  <a:latin typeface="Cambria Math" panose="02040503050406030204" pitchFamily="18" charset="0"/>
+                                </a:rPr>
+                                <m:t>𝑊</m:t>
+                              </m:r>
+                            </m:e>
+                            <m:sup>
+                              <m:r>
+                                <a:rPr lang="en-US" sz="1400" b="0" i="1" smtClean="0">
+                                  <a:latin typeface="Cambria Math" panose="02040503050406030204" pitchFamily="18" charset="0"/>
+                                </a:rPr>
+                                <m:t>[</m:t>
+                              </m:r>
+                              <m:r>
+                                <a:rPr lang="en-US" sz="1400" b="0" i="1" smtClean="0">
+                                  <a:latin typeface="Cambria Math" panose="02040503050406030204" pitchFamily="18" charset="0"/>
+                                </a:rPr>
+                                <m:t>𝑗</m:t>
+                              </m:r>
+                              <m:r>
+                                <a:rPr lang="en-US" sz="1400" b="0" i="1" smtClean="0">
+                                  <a:latin typeface="Cambria Math" panose="02040503050406030204" pitchFamily="18" charset="0"/>
+                                </a:rPr>
+                                <m:t>]</m:t>
+                              </m:r>
+                            </m:sup>
+                          </m:sSup>
+                        </m:den>
+                      </m:f>
+                      <m:r>
+                        <a:rPr lang="en-US" sz="1400" b="0" i="1" smtClean="0">
+                          <a:latin typeface="Cambria Math" panose="02040503050406030204" pitchFamily="18" charset="0"/>
+                        </a:rPr>
+                        <m:t>=</m:t>
+                      </m:r>
+                      <m:sSup>
+                        <m:sSupPr>
+                          <m:ctrlPr>
+                            <a:rPr lang="en-US" sz="1400" b="0" i="1" smtClean="0">
+                              <a:solidFill>
+                                <a:schemeClr val="tx1"/>
+                              </a:solidFill>
+                              <a:latin typeface="Cambria Math" panose="02040503050406030204" pitchFamily="18" charset="0"/>
+                            </a:rPr>
+                          </m:ctrlPr>
+                        </m:sSupPr>
+                        <m:e>
+                          <m:r>
+                            <a:rPr lang="en-US" sz="1400" b="0" i="1" smtClean="0">
+                              <a:solidFill>
+                                <a:schemeClr val="tx1"/>
+                              </a:solidFill>
+                              <a:latin typeface="Cambria Math" panose="02040503050406030204" pitchFamily="18" charset="0"/>
+                              <a:ea typeface="Cambria Math" panose="02040503050406030204" pitchFamily="18" charset="0"/>
+                            </a:rPr>
+                            <m:t>𝛿</m:t>
+                          </m:r>
+                        </m:e>
+                        <m:sup>
+                          <m:r>
+                            <a:rPr lang="en-US" sz="1400" b="0" i="1" smtClean="0">
+                              <a:solidFill>
+                                <a:schemeClr val="tx1"/>
+                              </a:solidFill>
+                              <a:latin typeface="Cambria Math" panose="02040503050406030204" pitchFamily="18" charset="0"/>
+                            </a:rPr>
+                            <m:t>𝑗</m:t>
+                          </m:r>
+                        </m:sup>
+                      </m:sSup>
+                      <m:f>
+                        <m:fPr>
+                          <m:ctrlPr>
+                            <a:rPr lang="en-US" sz="1400" i="1">
+                              <a:latin typeface="Cambria Math" panose="02040503050406030204" pitchFamily="18" charset="0"/>
+                              <a:ea typeface="Cambria Math" panose="02040503050406030204" pitchFamily="18" charset="0"/>
+                            </a:rPr>
+                          </m:ctrlPr>
+                        </m:fPr>
+                        <m:num>
+                          <m:r>
+                            <a:rPr lang="en-US" sz="1400" i="1">
+                              <a:latin typeface="Cambria Math" panose="02040503050406030204" pitchFamily="18" charset="0"/>
+                              <a:ea typeface="Cambria Math" panose="02040503050406030204" pitchFamily="18" charset="0"/>
+                            </a:rPr>
+                            <m:t>𝜕</m:t>
+                          </m:r>
+                          <m:sSup>
+                            <m:sSupPr>
+                              <m:ctrlPr>
+                                <a:rPr lang="en-US" sz="1400" i="1">
+                                  <a:latin typeface="Cambria Math" panose="02040503050406030204" pitchFamily="18" charset="0"/>
+                                  <a:ea typeface="Cambria Math" panose="02040503050406030204" pitchFamily="18" charset="0"/>
+                                </a:rPr>
+                              </m:ctrlPr>
+                            </m:sSupPr>
+                            <m:e>
+                              <m:r>
+                                <a:rPr lang="en-US" sz="1400" i="1">
+                                  <a:latin typeface="Cambria Math" panose="02040503050406030204" pitchFamily="18" charset="0"/>
+                                  <a:ea typeface="Cambria Math" panose="02040503050406030204" pitchFamily="18" charset="0"/>
+                                </a:rPr>
+                                <m:t>𝑧</m:t>
+                              </m:r>
+                            </m:e>
+                            <m:sup>
+                              <m:r>
+                                <a:rPr lang="en-US" sz="1400" i="1">
+                                  <a:latin typeface="Cambria Math" panose="02040503050406030204" pitchFamily="18" charset="0"/>
+                                  <a:ea typeface="Cambria Math" panose="02040503050406030204" pitchFamily="18" charset="0"/>
+                                </a:rPr>
+                                <m:t>[</m:t>
+                              </m:r>
+                              <m:r>
+                                <a:rPr lang="en-US" sz="1400" b="0" i="1" smtClean="0">
+                                  <a:latin typeface="Cambria Math" panose="02040503050406030204" pitchFamily="18" charset="0"/>
+                                  <a:ea typeface="Cambria Math" panose="02040503050406030204" pitchFamily="18" charset="0"/>
+                                </a:rPr>
+                                <m:t>𝑗</m:t>
+                              </m:r>
+                              <m:r>
+                                <a:rPr lang="en-US" sz="1400" i="1">
+                                  <a:latin typeface="Cambria Math" panose="02040503050406030204" pitchFamily="18" charset="0"/>
+                                  <a:ea typeface="Cambria Math" panose="02040503050406030204" pitchFamily="18" charset="0"/>
+                                </a:rPr>
+                                <m:t>]</m:t>
+                              </m:r>
+                            </m:sup>
+                          </m:sSup>
+                        </m:num>
+                        <m:den>
+                          <m:r>
+                            <a:rPr lang="en-US" sz="1400" i="1">
+                              <a:latin typeface="Cambria Math" panose="02040503050406030204" pitchFamily="18" charset="0"/>
+                              <a:ea typeface="Cambria Math" panose="02040503050406030204" pitchFamily="18" charset="0"/>
+                            </a:rPr>
+                            <m:t>𝜕</m:t>
+                          </m:r>
+                          <m:sSup>
+                            <m:sSupPr>
+                              <m:ctrlPr>
+                                <a:rPr lang="en-US" sz="1400" i="1">
+                                  <a:latin typeface="Cambria Math" panose="02040503050406030204" pitchFamily="18" charset="0"/>
+                                </a:rPr>
+                              </m:ctrlPr>
+                            </m:sSupPr>
+                            <m:e>
+                              <m:r>
+                                <a:rPr lang="en-US" sz="1400" i="1">
+                                  <a:latin typeface="Cambria Math" panose="02040503050406030204" pitchFamily="18" charset="0"/>
+                                </a:rPr>
+                                <m:t>𝑊</m:t>
+                              </m:r>
+                            </m:e>
+                            <m:sup>
+                              <m:r>
+                                <a:rPr lang="en-US" sz="1400" i="1">
+                                  <a:latin typeface="Cambria Math" panose="02040503050406030204" pitchFamily="18" charset="0"/>
+                                </a:rPr>
+                                <m:t>[</m:t>
+                              </m:r>
+                              <m:r>
+                                <a:rPr lang="en-US" sz="1400" b="0" i="1" smtClean="0">
+                                  <a:latin typeface="Cambria Math" panose="02040503050406030204" pitchFamily="18" charset="0"/>
+                                </a:rPr>
+                                <m:t>𝑗</m:t>
+                              </m:r>
+                              <m:r>
+                                <a:rPr lang="en-US" sz="1400" i="1">
+                                  <a:latin typeface="Cambria Math" panose="02040503050406030204" pitchFamily="18" charset="0"/>
+                                </a:rPr>
+                                <m:t>]</m:t>
+                              </m:r>
+                            </m:sup>
+                          </m:sSup>
+                        </m:den>
+                      </m:f>
+                      <m:r>
+                        <a:rPr lang="en-US" sz="1400" b="0" i="1" smtClean="0">
+                          <a:latin typeface="Cambria Math" panose="02040503050406030204" pitchFamily="18" charset="0"/>
+                        </a:rPr>
+                        <m:t> </m:t>
+                      </m:r>
+                    </m:oMath>
+                  </m:oMathPara>
+                </a14:m>
+                <a:endParaRPr lang="en-US" sz="1400" dirty="0"/>
+              </a:p>
+            </p:txBody>
+          </p:sp>
+        </mc:Choice>
+        <mc:Fallback>
+          <p:sp>
+            <p:nvSpPr>
+              <p:cNvPr id="17" name="Rectangle 16">
+                <a:extLst>
+                  <a:ext uri="{FF2B5EF4-FFF2-40B4-BE49-F238E27FC236}">
+                    <a16:creationId xmlns="" xmlns:a16="http://schemas.microsoft.com/office/drawing/2014/main" xmlns:a14="http://schemas.microsoft.com/office/drawing/2010/main" id="{1C8203EE-14DB-4E90-B4A9-996B69C97C95}"/>
+                  </a:ext>
+                </a:extLst>
+              </p:cNvPr>
+              <p:cNvSpPr>
+                <a:spLocks noRot="1" noChangeAspect="1" noMove="1" noResize="1" noEditPoints="1" noAdjustHandles="1" noChangeArrowheads="1" noChangeShapeType="1" noTextEdit="1"/>
+              </p:cNvSpPr>
+              <p:nvPr/>
+            </p:nvSpPr>
+            <p:spPr>
+              <a:xfrm>
+                <a:off x="-446397" y="3684663"/>
+                <a:ext cx="3651421" cy="538289"/>
+              </a:xfrm>
+              <a:prstGeom prst="rect">
+                <a:avLst/>
+              </a:prstGeom>
+              <a:blipFill rotWithShape="0">
+                <a:blip r:embed="rId7"/>
+                <a:stretch>
+                  <a:fillRect/>
+                </a:stretch>
+              </a:blipFill>
+            </p:spPr>
+            <p:txBody>
+              <a:bodyPr/>
+              <a:lstStyle/>
+              <a:p>
+                <a:r>
+                  <a:rPr lang="en-US">
+                    <a:noFill/>
+                  </a:rPr>
+                  <a:t> </a:t>
+                </a:r>
+              </a:p>
+            </p:txBody>
+          </p:sp>
+        </mc:Fallback>
+      </mc:AlternateContent>
+      <p:cxnSp>
+        <p:nvCxnSpPr>
+          <p:cNvPr id="18" name="Straight Arrow Connector 17"/>
+          <p:cNvCxnSpPr/>
+          <p:nvPr/>
+        </p:nvCxnSpPr>
+        <p:spPr>
+          <a:xfrm>
+            <a:off x="2801559" y="3992151"/>
+            <a:ext cx="828339" cy="0"/>
+          </a:xfrm>
+          <a:prstGeom prst="straightConnector1">
+            <a:avLst/>
+          </a:prstGeom>
+          <a:ln w="38100">
+            <a:solidFill>
+              <a:schemeClr val="tx1"/>
+            </a:solidFill>
+            <a:tailEnd type="triangle"/>
+          </a:ln>
+        </p:spPr>
+        <p:style>
+          <a:lnRef idx="1">
+            <a:schemeClr val="accent1"/>
+          </a:lnRef>
+          <a:fillRef idx="0">
+            <a:schemeClr val="accent1"/>
+          </a:fillRef>
+          <a:effectRef idx="0">
+            <a:schemeClr val="accent1"/>
+          </a:effectRef>
+          <a:fontRef idx="minor">
+            <a:schemeClr val="tx1"/>
+          </a:fontRef>
+        </p:style>
+      </p:cxnSp>
+      <mc:AlternateContent xmlns:mc="http://schemas.openxmlformats.org/markup-compatibility/2006">
+        <mc:Choice xmlns:a14="http://schemas.microsoft.com/office/drawing/2010/main" Requires="a14">
+          <p:sp>
+            <p:nvSpPr>
+              <p:cNvPr id="19" name="Rectangle 18"/>
+              <p:cNvSpPr/>
+              <p:nvPr/>
+            </p:nvSpPr>
+            <p:spPr>
+              <a:xfrm>
+                <a:off x="3901460" y="3717364"/>
+                <a:ext cx="1834990" cy="549574"/>
+              </a:xfrm>
+              <a:prstGeom prst="rect">
+                <a:avLst/>
+              </a:prstGeom>
+            </p:spPr>
+            <p:txBody>
+              <a:bodyPr wrap="none">
+                <a:spAutoFit/>
+              </a:bodyPr>
+              <a:lstStyle/>
+              <a:p>
+                <a:pPr/>
+                <a14:m>
+                  <m:oMathPara xmlns:m="http://schemas.openxmlformats.org/officeDocument/2006/math">
+                    <m:oMathParaPr>
+                      <m:jc m:val="centerGroup"/>
+                    </m:oMathParaPr>
+                    <m:oMath xmlns:m="http://schemas.openxmlformats.org/officeDocument/2006/math">
+                      <m:f>
+                        <m:fPr>
+                          <m:ctrlPr>
+                            <a:rPr lang="en-US" sz="1400" i="1" smtClean="0">
+                              <a:latin typeface="Cambria Math" panose="02040503050406030204" pitchFamily="18" charset="0"/>
+                              <a:ea typeface="Cambria Math" panose="02040503050406030204" pitchFamily="18" charset="0"/>
+                            </a:rPr>
+                          </m:ctrlPr>
+                        </m:fPr>
+                        <m:num>
+                          <m:r>
+                            <a:rPr lang="en-US" sz="1400" i="1">
+                              <a:latin typeface="Cambria Math" panose="02040503050406030204" pitchFamily="18" charset="0"/>
+                              <a:ea typeface="Cambria Math" panose="02040503050406030204" pitchFamily="18" charset="0"/>
+                            </a:rPr>
+                            <m:t>𝜕</m:t>
+                          </m:r>
+                          <m:r>
+                            <a:rPr lang="en-US" sz="1400" i="1">
+                              <a:latin typeface="Cambria Math" panose="02040503050406030204" pitchFamily="18" charset="0"/>
+                              <a:ea typeface="Cambria Math" panose="02040503050406030204" pitchFamily="18" charset="0"/>
+                            </a:rPr>
+                            <m:t>𝐶</m:t>
+                          </m:r>
+                        </m:num>
+                        <m:den>
+                          <m:r>
+                            <a:rPr lang="en-US" sz="1400" i="1">
+                              <a:latin typeface="Cambria Math" panose="02040503050406030204" pitchFamily="18" charset="0"/>
+                              <a:ea typeface="Cambria Math" panose="02040503050406030204" pitchFamily="18" charset="0"/>
+                            </a:rPr>
+                            <m:t>𝜕</m:t>
+                          </m:r>
+                          <m:sSup>
+                            <m:sSupPr>
+                              <m:ctrlPr>
+                                <a:rPr lang="en-US" sz="1400" i="1">
+                                  <a:latin typeface="Cambria Math" panose="02040503050406030204" pitchFamily="18" charset="0"/>
+                                </a:rPr>
+                              </m:ctrlPr>
+                            </m:sSupPr>
+                            <m:e>
+                              <m:r>
+                                <a:rPr lang="en-US" sz="1400" i="1">
+                                  <a:latin typeface="Cambria Math" panose="02040503050406030204" pitchFamily="18" charset="0"/>
+                                </a:rPr>
+                                <m:t>𝑊</m:t>
+                              </m:r>
+                            </m:e>
+                            <m:sup>
+                              <m:r>
+                                <a:rPr lang="en-US" sz="1400" i="1">
+                                  <a:latin typeface="Cambria Math" panose="02040503050406030204" pitchFamily="18" charset="0"/>
+                                </a:rPr>
+                                <m:t>[</m:t>
+                              </m:r>
+                              <m:r>
+                                <a:rPr lang="en-US" sz="1400" i="1">
+                                  <a:latin typeface="Cambria Math" panose="02040503050406030204" pitchFamily="18" charset="0"/>
+                                </a:rPr>
+                                <m:t>𝑗</m:t>
+                              </m:r>
+                              <m:r>
+                                <a:rPr lang="en-US" sz="1400" i="1">
+                                  <a:latin typeface="Cambria Math" panose="02040503050406030204" pitchFamily="18" charset="0"/>
+                                </a:rPr>
+                                <m:t>]</m:t>
+                              </m:r>
+                            </m:sup>
+                          </m:sSup>
+                        </m:den>
+                      </m:f>
+                      <m:r>
+                        <a:rPr lang="en-US" sz="1400" i="1">
+                          <a:latin typeface="Cambria Math" panose="02040503050406030204" pitchFamily="18" charset="0"/>
+                        </a:rPr>
+                        <m:t>=</m:t>
+                      </m:r>
+                      <m:sSup>
+                        <m:sSupPr>
+                          <m:ctrlPr>
+                            <a:rPr lang="en-US" sz="1400" i="1">
+                              <a:latin typeface="Cambria Math" panose="02040503050406030204" pitchFamily="18" charset="0"/>
+                            </a:rPr>
+                          </m:ctrlPr>
+                        </m:sSupPr>
+                        <m:e>
+                          <m:r>
+                            <a:rPr lang="en-US" sz="1400" i="1">
+                              <a:latin typeface="Cambria Math" panose="02040503050406030204" pitchFamily="18" charset="0"/>
+                              <a:ea typeface="Cambria Math" panose="02040503050406030204" pitchFamily="18" charset="0"/>
+                            </a:rPr>
+                            <m:t>𝛿</m:t>
+                          </m:r>
+                        </m:e>
+                        <m:sup>
+                          <m:r>
+                            <a:rPr lang="en-US" sz="1400" i="1">
+                              <a:latin typeface="Cambria Math" panose="02040503050406030204" pitchFamily="18" charset="0"/>
+                            </a:rPr>
+                            <m:t>𝑗</m:t>
+                          </m:r>
+                        </m:sup>
+                      </m:sSup>
+                      <m:sSup>
+                        <m:sSupPr>
+                          <m:ctrlPr>
+                            <a:rPr lang="en-US" sz="1400" i="1" smtClean="0">
+                              <a:latin typeface="Cambria Math" panose="02040503050406030204" pitchFamily="18" charset="0"/>
+                            </a:rPr>
+                          </m:ctrlPr>
+                        </m:sSupPr>
+                        <m:e>
+                          <m:r>
+                            <a:rPr lang="en-US" sz="1400" b="0" i="1" smtClean="0">
+                              <a:latin typeface="Cambria Math" panose="02040503050406030204" pitchFamily="18" charset="0"/>
+                            </a:rPr>
+                            <m:t>[</m:t>
+                          </m:r>
+                          <m:f>
+                            <m:fPr>
+                              <m:ctrlPr>
+                                <a:rPr lang="en-US" sz="1400" i="1">
+                                  <a:latin typeface="Cambria Math" panose="02040503050406030204" pitchFamily="18" charset="0"/>
+                                  <a:ea typeface="Cambria Math" panose="02040503050406030204" pitchFamily="18" charset="0"/>
+                                </a:rPr>
+                              </m:ctrlPr>
+                            </m:fPr>
+                            <m:num>
+                              <m:r>
+                                <a:rPr lang="en-US" sz="1400" i="1">
+                                  <a:latin typeface="Cambria Math" panose="02040503050406030204" pitchFamily="18" charset="0"/>
+                                  <a:ea typeface="Cambria Math" panose="02040503050406030204" pitchFamily="18" charset="0"/>
+                                </a:rPr>
+                                <m:t>𝜕</m:t>
+                              </m:r>
+                              <m:sSup>
+                                <m:sSupPr>
+                                  <m:ctrlPr>
+                                    <a:rPr lang="en-US" sz="1400" i="1">
+                                      <a:latin typeface="Cambria Math" panose="02040503050406030204" pitchFamily="18" charset="0"/>
+                                      <a:ea typeface="Cambria Math" panose="02040503050406030204" pitchFamily="18" charset="0"/>
+                                    </a:rPr>
+                                  </m:ctrlPr>
+                                </m:sSupPr>
+                                <m:e>
+                                  <m:r>
+                                    <a:rPr lang="en-US" sz="1400" i="1">
+                                      <a:latin typeface="Cambria Math" panose="02040503050406030204" pitchFamily="18" charset="0"/>
+                                      <a:ea typeface="Cambria Math" panose="02040503050406030204" pitchFamily="18" charset="0"/>
+                                    </a:rPr>
+                                    <m:t>𝑧</m:t>
+                                  </m:r>
+                                </m:e>
+                                <m:sup>
+                                  <m:d>
+                                    <m:dPr>
+                                      <m:begChr m:val="["/>
+                                      <m:endChr m:val="]"/>
+                                      <m:ctrlPr>
+                                        <a:rPr lang="en-US" sz="1400" i="1">
+                                          <a:latin typeface="Cambria Math" panose="02040503050406030204" pitchFamily="18" charset="0"/>
+                                          <a:ea typeface="Cambria Math" panose="02040503050406030204" pitchFamily="18" charset="0"/>
+                                        </a:rPr>
+                                      </m:ctrlPr>
+                                    </m:dPr>
+                                    <m:e>
+                                      <m:r>
+                                        <a:rPr lang="en-US" sz="1400" i="1">
+                                          <a:latin typeface="Cambria Math" panose="02040503050406030204" pitchFamily="18" charset="0"/>
+                                          <a:ea typeface="Cambria Math" panose="02040503050406030204" pitchFamily="18" charset="0"/>
+                                        </a:rPr>
+                                        <m:t>𝑗</m:t>
+                                      </m:r>
+                                    </m:e>
+                                  </m:d>
+                                </m:sup>
+                              </m:sSup>
+                            </m:num>
+                            <m:den>
+                              <m:r>
+                                <a:rPr lang="en-US" sz="1400" i="1">
+                                  <a:latin typeface="Cambria Math" panose="02040503050406030204" pitchFamily="18" charset="0"/>
+                                  <a:ea typeface="Cambria Math" panose="02040503050406030204" pitchFamily="18" charset="0"/>
+                                </a:rPr>
+                                <m:t>𝜕</m:t>
+                              </m:r>
+                              <m:sSup>
+                                <m:sSupPr>
+                                  <m:ctrlPr>
+                                    <a:rPr lang="en-US" sz="1400" i="1">
+                                      <a:latin typeface="Cambria Math" panose="02040503050406030204" pitchFamily="18" charset="0"/>
+                                    </a:rPr>
+                                  </m:ctrlPr>
+                                </m:sSupPr>
+                                <m:e>
+                                  <m:r>
+                                    <a:rPr lang="en-US" sz="1400" i="1">
+                                      <a:latin typeface="Cambria Math" panose="02040503050406030204" pitchFamily="18" charset="0"/>
+                                    </a:rPr>
+                                    <m:t>𝑊</m:t>
+                                  </m:r>
+                                </m:e>
+                                <m:sup>
+                                  <m:d>
+                                    <m:dPr>
+                                      <m:begChr m:val="["/>
+                                      <m:endChr m:val="]"/>
+                                      <m:ctrlPr>
+                                        <a:rPr lang="en-US" sz="1400" i="1">
+                                          <a:latin typeface="Cambria Math" panose="02040503050406030204" pitchFamily="18" charset="0"/>
+                                        </a:rPr>
+                                      </m:ctrlPr>
+                                    </m:dPr>
+                                    <m:e>
+                                      <m:r>
+                                        <a:rPr lang="en-US" sz="1400" i="1">
+                                          <a:latin typeface="Cambria Math" panose="02040503050406030204" pitchFamily="18" charset="0"/>
+                                        </a:rPr>
+                                        <m:t>𝑗</m:t>
+                                      </m:r>
+                                    </m:e>
+                                  </m:d>
+                                </m:sup>
+                              </m:sSup>
+                            </m:den>
+                          </m:f>
+                          <m:r>
+                            <a:rPr lang="en-US" sz="1400" b="0" i="1" smtClean="0">
+                              <a:latin typeface="Cambria Math" panose="02040503050406030204" pitchFamily="18" charset="0"/>
+                            </a:rPr>
+                            <m:t>]</m:t>
+                          </m:r>
+                        </m:e>
+                        <m:sup>
+                          <m:r>
+                            <a:rPr lang="en-US" sz="1400" b="0" i="1" smtClean="0">
+                              <a:latin typeface="Cambria Math" panose="02040503050406030204" pitchFamily="18" charset="0"/>
+                            </a:rPr>
+                            <m:t>𝑇</m:t>
+                          </m:r>
+                        </m:sup>
+                      </m:sSup>
+                      <m:r>
+                        <a:rPr lang="en-US" sz="1400" b="0" i="1" smtClean="0">
+                          <a:latin typeface="Cambria Math" panose="02040503050406030204" pitchFamily="18" charset="0"/>
+                        </a:rPr>
+                        <m:t>  </m:t>
+                      </m:r>
+                    </m:oMath>
+                  </m:oMathPara>
+                </a14:m>
+                <a:endParaRPr lang="en-US" sz="1400" dirty="0"/>
+              </a:p>
+            </p:txBody>
+          </p:sp>
+        </mc:Choice>
+        <mc:Fallback>
+          <p:sp>
+            <p:nvSpPr>
+              <p:cNvPr id="19" name="Rectangle 18"/>
+              <p:cNvSpPr>
+                <a:spLocks noRot="1" noChangeAspect="1" noMove="1" noResize="1" noEditPoints="1" noAdjustHandles="1" noChangeArrowheads="1" noChangeShapeType="1" noTextEdit="1"/>
+              </p:cNvSpPr>
+              <p:nvPr/>
+            </p:nvSpPr>
+            <p:spPr>
+              <a:xfrm>
+                <a:off x="3901460" y="3717364"/>
+                <a:ext cx="1834990" cy="549574"/>
+              </a:xfrm>
+              <a:prstGeom prst="rect">
+                <a:avLst/>
+              </a:prstGeom>
+              <a:blipFill rotWithShape="0">
+                <a:blip r:embed="rId8"/>
+                <a:stretch>
+                  <a:fillRect/>
+                </a:stretch>
+              </a:blipFill>
+            </p:spPr>
+            <p:txBody>
+              <a:bodyPr/>
+              <a:lstStyle/>
+              <a:p>
+                <a:r>
+                  <a:rPr lang="en-US">
+                    <a:noFill/>
+                  </a:rPr>
+                  <a:t> </a:t>
+                </a:r>
+              </a:p>
+            </p:txBody>
+          </p:sp>
+        </mc:Fallback>
+      </mc:AlternateContent>
+      <mc:AlternateContent xmlns:mc="http://schemas.openxmlformats.org/markup-compatibility/2006">
+        <mc:Choice xmlns:a14="http://schemas.microsoft.com/office/drawing/2010/main" Requires="a14">
+          <p:sp>
+            <p:nvSpPr>
+              <p:cNvPr id="20" name="Rectangle 19">
+                <a:extLst>
+                  <a:ext uri="{FF2B5EF4-FFF2-40B4-BE49-F238E27FC236}">
+                    <a16:creationId xmlns="" xmlns:a16="http://schemas.microsoft.com/office/drawing/2014/main" id="{1C8203EE-14DB-4E90-B4A9-996B69C97C95}"/>
+                  </a:ext>
+                </a:extLst>
+              </p:cNvPr>
+              <p:cNvSpPr/>
+              <p:nvPr/>
+            </p:nvSpPr>
+            <p:spPr>
+              <a:xfrm>
+                <a:off x="304799" y="4665703"/>
+                <a:ext cx="6033797" cy="538289"/>
+              </a:xfrm>
+              <a:prstGeom prst="rect">
+                <a:avLst/>
+              </a:prstGeom>
+            </p:spPr>
+            <p:txBody>
+              <a:bodyPr wrap="square">
+                <a:spAutoFit/>
+              </a:bodyPr>
+              <a:lstStyle/>
+              <a:p>
+                <a:pPr/>
+                <a14:m>
+                  <m:oMathPara xmlns:m="http://schemas.openxmlformats.org/officeDocument/2006/math">
+                    <m:oMathParaPr>
+                      <m:jc m:val="centerGroup"/>
+                    </m:oMathParaPr>
+                    <m:oMath xmlns:m="http://schemas.openxmlformats.org/officeDocument/2006/math">
+                      <m:f>
+                        <m:fPr>
+                          <m:ctrlPr>
+                            <a:rPr lang="en-US" sz="1400" b="0" i="1" smtClean="0">
+                              <a:latin typeface="Cambria Math" panose="02040503050406030204" pitchFamily="18" charset="0"/>
+                              <a:ea typeface="Cambria Math" panose="02040503050406030204" pitchFamily="18" charset="0"/>
+                            </a:rPr>
+                          </m:ctrlPr>
+                        </m:fPr>
+                        <m:num>
+                          <m:r>
+                            <a:rPr lang="en-US" sz="1400" b="0" i="1" smtClean="0">
+                              <a:latin typeface="Cambria Math" panose="02040503050406030204" pitchFamily="18" charset="0"/>
+                              <a:ea typeface="Cambria Math" panose="02040503050406030204" pitchFamily="18" charset="0"/>
+                            </a:rPr>
+                            <m:t>𝜕</m:t>
+                          </m:r>
+                          <m:r>
+                            <a:rPr lang="en-US" sz="1400" b="0" i="1" smtClean="0">
+                              <a:latin typeface="Cambria Math" panose="02040503050406030204" pitchFamily="18" charset="0"/>
+                              <a:ea typeface="Cambria Math" panose="02040503050406030204" pitchFamily="18" charset="0"/>
+                            </a:rPr>
+                            <m:t>𝐶</m:t>
+                          </m:r>
+                        </m:num>
+                        <m:den>
+                          <m:r>
+                            <a:rPr lang="en-US" sz="1400" b="0" i="1" smtClean="0">
+                              <a:latin typeface="Cambria Math" panose="02040503050406030204" pitchFamily="18" charset="0"/>
+                              <a:ea typeface="Cambria Math" panose="02040503050406030204" pitchFamily="18" charset="0"/>
+                            </a:rPr>
+                            <m:t>𝜕</m:t>
+                          </m:r>
+                          <m:sSup>
+                            <m:sSupPr>
+                              <m:ctrlPr>
+                                <a:rPr lang="en-US" sz="1400" i="1" smtClean="0">
+                                  <a:latin typeface="Cambria Math" panose="02040503050406030204" pitchFamily="18" charset="0"/>
+                                </a:rPr>
+                              </m:ctrlPr>
+                            </m:sSupPr>
+                            <m:e>
+                              <m:r>
+                                <a:rPr lang="en-US" sz="1400" b="0" i="1" smtClean="0">
+                                  <a:latin typeface="Cambria Math" panose="02040503050406030204" pitchFamily="18" charset="0"/>
+                                </a:rPr>
+                                <m:t>𝑏</m:t>
+                              </m:r>
+                            </m:e>
+                            <m:sup>
+                              <m:r>
+                                <a:rPr lang="en-US" sz="1400" b="0" i="1" smtClean="0">
+                                  <a:latin typeface="Cambria Math" panose="02040503050406030204" pitchFamily="18" charset="0"/>
+                                </a:rPr>
+                                <m:t>[</m:t>
+                              </m:r>
+                              <m:r>
+                                <a:rPr lang="en-US" sz="1400" b="0" i="1" smtClean="0">
+                                  <a:latin typeface="Cambria Math" panose="02040503050406030204" pitchFamily="18" charset="0"/>
+                                </a:rPr>
+                                <m:t>𝑗</m:t>
+                              </m:r>
+                              <m:r>
+                                <a:rPr lang="en-US" sz="1400" b="0" i="1" smtClean="0">
+                                  <a:latin typeface="Cambria Math" panose="02040503050406030204" pitchFamily="18" charset="0"/>
+                                </a:rPr>
+                                <m:t>]</m:t>
+                              </m:r>
+                            </m:sup>
+                          </m:sSup>
+                        </m:den>
+                      </m:f>
+                      <m:r>
+                        <a:rPr lang="en-US" sz="1400" b="0" i="1" smtClean="0">
+                          <a:latin typeface="Cambria Math" panose="02040503050406030204" pitchFamily="18" charset="0"/>
+                        </a:rPr>
+                        <m:t>=</m:t>
+                      </m:r>
+                      <m:sSup>
+                        <m:sSupPr>
+                          <m:ctrlPr>
+                            <a:rPr lang="en-US" sz="1400" b="0" i="1" smtClean="0">
+                              <a:solidFill>
+                                <a:schemeClr val="tx1"/>
+                              </a:solidFill>
+                              <a:latin typeface="Cambria Math" panose="02040503050406030204" pitchFamily="18" charset="0"/>
+                            </a:rPr>
+                          </m:ctrlPr>
+                        </m:sSupPr>
+                        <m:e>
+                          <m:r>
+                            <a:rPr lang="en-US" sz="1400" b="0" i="1" smtClean="0">
+                              <a:solidFill>
+                                <a:schemeClr val="tx1"/>
+                              </a:solidFill>
+                              <a:latin typeface="Cambria Math" panose="02040503050406030204" pitchFamily="18" charset="0"/>
+                              <a:ea typeface="Cambria Math" panose="02040503050406030204" pitchFamily="18" charset="0"/>
+                            </a:rPr>
+                            <m:t>𝛿</m:t>
+                          </m:r>
+                        </m:e>
+                        <m:sup>
+                          <m:r>
+                            <a:rPr lang="en-US" sz="1400" b="0" i="1" smtClean="0">
+                              <a:solidFill>
+                                <a:schemeClr val="tx1"/>
+                              </a:solidFill>
+                              <a:latin typeface="Cambria Math" panose="02040503050406030204" pitchFamily="18" charset="0"/>
+                            </a:rPr>
+                            <m:t>𝑗</m:t>
+                          </m:r>
+                        </m:sup>
+                      </m:sSup>
+                      <m:f>
+                        <m:fPr>
+                          <m:ctrlPr>
+                            <a:rPr lang="en-US" sz="1400" i="1">
+                              <a:latin typeface="Cambria Math" panose="02040503050406030204" pitchFamily="18" charset="0"/>
+                              <a:ea typeface="Cambria Math" panose="02040503050406030204" pitchFamily="18" charset="0"/>
+                            </a:rPr>
+                          </m:ctrlPr>
+                        </m:fPr>
+                        <m:num>
+                          <m:r>
+                            <a:rPr lang="en-US" sz="1400" i="1">
+                              <a:latin typeface="Cambria Math" panose="02040503050406030204" pitchFamily="18" charset="0"/>
+                              <a:ea typeface="Cambria Math" panose="02040503050406030204" pitchFamily="18" charset="0"/>
+                            </a:rPr>
+                            <m:t>𝜕</m:t>
+                          </m:r>
+                          <m:sSup>
+                            <m:sSupPr>
+                              <m:ctrlPr>
+                                <a:rPr lang="en-US" sz="1400" i="1">
+                                  <a:latin typeface="Cambria Math" panose="02040503050406030204" pitchFamily="18" charset="0"/>
+                                  <a:ea typeface="Cambria Math" panose="02040503050406030204" pitchFamily="18" charset="0"/>
+                                </a:rPr>
+                              </m:ctrlPr>
+                            </m:sSupPr>
+                            <m:e>
+                              <m:r>
+                                <a:rPr lang="en-US" sz="1400" i="1">
+                                  <a:latin typeface="Cambria Math" panose="02040503050406030204" pitchFamily="18" charset="0"/>
+                                  <a:ea typeface="Cambria Math" panose="02040503050406030204" pitchFamily="18" charset="0"/>
+                                </a:rPr>
+                                <m:t>𝑧</m:t>
+                              </m:r>
+                            </m:e>
+                            <m:sup>
+                              <m:r>
+                                <a:rPr lang="en-US" sz="1400" i="1">
+                                  <a:latin typeface="Cambria Math" panose="02040503050406030204" pitchFamily="18" charset="0"/>
+                                  <a:ea typeface="Cambria Math" panose="02040503050406030204" pitchFamily="18" charset="0"/>
+                                </a:rPr>
+                                <m:t>[</m:t>
+                              </m:r>
+                              <m:r>
+                                <a:rPr lang="en-US" sz="1400" b="0" i="1" smtClean="0">
+                                  <a:latin typeface="Cambria Math" panose="02040503050406030204" pitchFamily="18" charset="0"/>
+                                  <a:ea typeface="Cambria Math" panose="02040503050406030204" pitchFamily="18" charset="0"/>
+                                </a:rPr>
+                                <m:t>𝑗</m:t>
+                              </m:r>
+                              <m:r>
+                                <a:rPr lang="en-US" sz="1400" i="1">
+                                  <a:latin typeface="Cambria Math" panose="02040503050406030204" pitchFamily="18" charset="0"/>
+                                  <a:ea typeface="Cambria Math" panose="02040503050406030204" pitchFamily="18" charset="0"/>
+                                </a:rPr>
+                                <m:t>]</m:t>
+                              </m:r>
+                            </m:sup>
+                          </m:sSup>
+                        </m:num>
+                        <m:den>
+                          <m:r>
+                            <a:rPr lang="en-US" sz="1400" i="1">
+                              <a:latin typeface="Cambria Math" panose="02040503050406030204" pitchFamily="18" charset="0"/>
+                              <a:ea typeface="Cambria Math" panose="02040503050406030204" pitchFamily="18" charset="0"/>
+                            </a:rPr>
+                            <m:t>𝜕</m:t>
+                          </m:r>
+                          <m:sSup>
+                            <m:sSupPr>
+                              <m:ctrlPr>
+                                <a:rPr lang="en-US" sz="1400" i="1">
+                                  <a:latin typeface="Cambria Math" panose="02040503050406030204" pitchFamily="18" charset="0"/>
+                                </a:rPr>
+                              </m:ctrlPr>
+                            </m:sSupPr>
+                            <m:e>
+                              <m:r>
+                                <a:rPr lang="en-US" sz="1400" b="0" i="1" smtClean="0">
+                                  <a:latin typeface="Cambria Math" panose="02040503050406030204" pitchFamily="18" charset="0"/>
+                                </a:rPr>
+                                <m:t>𝑏</m:t>
+                              </m:r>
+                            </m:e>
+                            <m:sup>
+                              <m:r>
+                                <a:rPr lang="en-US" sz="1400" i="1">
+                                  <a:latin typeface="Cambria Math" panose="02040503050406030204" pitchFamily="18" charset="0"/>
+                                </a:rPr>
+                                <m:t>[</m:t>
+                              </m:r>
+                              <m:r>
+                                <a:rPr lang="en-US" sz="1400" b="0" i="1" smtClean="0">
+                                  <a:latin typeface="Cambria Math" panose="02040503050406030204" pitchFamily="18" charset="0"/>
+                                </a:rPr>
+                                <m:t>𝑗</m:t>
+                              </m:r>
+                              <m:r>
+                                <a:rPr lang="en-US" sz="1400" i="1">
+                                  <a:latin typeface="Cambria Math" panose="02040503050406030204" pitchFamily="18" charset="0"/>
+                                </a:rPr>
+                                <m:t>]</m:t>
+                              </m:r>
+                            </m:sup>
+                          </m:sSup>
+                        </m:den>
+                      </m:f>
+                      <m:r>
+                        <a:rPr lang="en-US" sz="1400" b="0" i="1" smtClean="0">
+                          <a:latin typeface="Cambria Math" panose="02040503050406030204" pitchFamily="18" charset="0"/>
+                        </a:rPr>
+                        <m:t> </m:t>
+                      </m:r>
+                      <m:r>
+                        <a:rPr lang="en-US" sz="1400" b="0" i="1" smtClean="0">
+                          <a:latin typeface="Cambria Math" panose="02040503050406030204" pitchFamily="18" charset="0"/>
+                        </a:rPr>
+                        <m:t>𝑛𝑜𝑡𝑒</m:t>
+                      </m:r>
+                      <m:r>
+                        <a:rPr lang="en-US" sz="1400" b="0" i="1" smtClean="0">
+                          <a:latin typeface="Cambria Math" panose="02040503050406030204" pitchFamily="18" charset="0"/>
+                        </a:rPr>
+                        <m:t> </m:t>
+                      </m:r>
+                      <m:r>
+                        <a:rPr lang="en-US" sz="1400" b="0" i="1" smtClean="0">
+                          <a:latin typeface="Cambria Math" panose="02040503050406030204" pitchFamily="18" charset="0"/>
+                        </a:rPr>
+                        <m:t>𝑡h𝑎𝑡</m:t>
+                      </m:r>
+                      <m:r>
+                        <a:rPr lang="en-US" sz="1400" b="0" i="1" smtClean="0">
+                          <a:latin typeface="Cambria Math" panose="02040503050406030204" pitchFamily="18" charset="0"/>
+                        </a:rPr>
+                        <m:t> </m:t>
+                      </m:r>
+                      <m:f>
+                        <m:fPr>
+                          <m:ctrlPr>
+                            <a:rPr lang="en-US" sz="1400" i="1">
+                              <a:latin typeface="Cambria Math" panose="02040503050406030204" pitchFamily="18" charset="0"/>
+                              <a:ea typeface="Cambria Math" panose="02040503050406030204" pitchFamily="18" charset="0"/>
+                            </a:rPr>
+                          </m:ctrlPr>
+                        </m:fPr>
+                        <m:num>
+                          <m:r>
+                            <a:rPr lang="en-US" sz="1400" i="1">
+                              <a:latin typeface="Cambria Math" panose="02040503050406030204" pitchFamily="18" charset="0"/>
+                              <a:ea typeface="Cambria Math" panose="02040503050406030204" pitchFamily="18" charset="0"/>
+                            </a:rPr>
+                            <m:t>𝜕</m:t>
+                          </m:r>
+                          <m:sSup>
+                            <m:sSupPr>
+                              <m:ctrlPr>
+                                <a:rPr lang="en-US" sz="1400" i="1">
+                                  <a:latin typeface="Cambria Math" panose="02040503050406030204" pitchFamily="18" charset="0"/>
+                                  <a:ea typeface="Cambria Math" panose="02040503050406030204" pitchFamily="18" charset="0"/>
+                                </a:rPr>
+                              </m:ctrlPr>
+                            </m:sSupPr>
+                            <m:e>
+                              <m:r>
+                                <a:rPr lang="en-US" sz="1400" i="1">
+                                  <a:latin typeface="Cambria Math" panose="02040503050406030204" pitchFamily="18" charset="0"/>
+                                  <a:ea typeface="Cambria Math" panose="02040503050406030204" pitchFamily="18" charset="0"/>
+                                </a:rPr>
+                                <m:t>𝑧</m:t>
+                              </m:r>
+                            </m:e>
+                            <m:sup>
+                              <m:r>
+                                <a:rPr lang="en-US" sz="1400" i="1">
+                                  <a:latin typeface="Cambria Math" panose="02040503050406030204" pitchFamily="18" charset="0"/>
+                                  <a:ea typeface="Cambria Math" panose="02040503050406030204" pitchFamily="18" charset="0"/>
+                                </a:rPr>
+                                <m:t>[</m:t>
+                              </m:r>
+                              <m:r>
+                                <a:rPr lang="en-US" sz="1400" i="1">
+                                  <a:latin typeface="Cambria Math" panose="02040503050406030204" pitchFamily="18" charset="0"/>
+                                  <a:ea typeface="Cambria Math" panose="02040503050406030204" pitchFamily="18" charset="0"/>
+                                </a:rPr>
+                                <m:t>𝑗</m:t>
+                              </m:r>
+                              <m:r>
+                                <a:rPr lang="en-US" sz="1400" i="1">
+                                  <a:latin typeface="Cambria Math" panose="02040503050406030204" pitchFamily="18" charset="0"/>
+                                  <a:ea typeface="Cambria Math" panose="02040503050406030204" pitchFamily="18" charset="0"/>
+                                </a:rPr>
+                                <m:t>]</m:t>
+                              </m:r>
+                            </m:sup>
+                          </m:sSup>
+                        </m:num>
+                        <m:den>
+                          <m:r>
+                            <a:rPr lang="en-US" sz="1400" i="1">
+                              <a:latin typeface="Cambria Math" panose="02040503050406030204" pitchFamily="18" charset="0"/>
+                              <a:ea typeface="Cambria Math" panose="02040503050406030204" pitchFamily="18" charset="0"/>
+                            </a:rPr>
+                            <m:t>𝜕</m:t>
+                          </m:r>
+                          <m:sSup>
+                            <m:sSupPr>
+                              <m:ctrlPr>
+                                <a:rPr lang="en-US" sz="1400" i="1">
+                                  <a:latin typeface="Cambria Math" panose="02040503050406030204" pitchFamily="18" charset="0"/>
+                                </a:rPr>
+                              </m:ctrlPr>
+                            </m:sSupPr>
+                            <m:e>
+                              <m:r>
+                                <a:rPr lang="en-US" sz="1400" i="1">
+                                  <a:latin typeface="Cambria Math" panose="02040503050406030204" pitchFamily="18" charset="0"/>
+                                </a:rPr>
+                                <m:t>𝑏</m:t>
+                              </m:r>
+                            </m:e>
+                            <m:sup>
+                              <m:r>
+                                <a:rPr lang="en-US" sz="1400" i="1">
+                                  <a:latin typeface="Cambria Math" panose="02040503050406030204" pitchFamily="18" charset="0"/>
+                                </a:rPr>
+                                <m:t>[</m:t>
+                              </m:r>
+                              <m:r>
+                                <a:rPr lang="en-US" sz="1400" i="1">
+                                  <a:latin typeface="Cambria Math" panose="02040503050406030204" pitchFamily="18" charset="0"/>
+                                </a:rPr>
+                                <m:t>𝑗</m:t>
+                              </m:r>
+                              <m:r>
+                                <a:rPr lang="en-US" sz="1400" i="1">
+                                  <a:latin typeface="Cambria Math" panose="02040503050406030204" pitchFamily="18" charset="0"/>
+                                </a:rPr>
+                                <m:t>]</m:t>
+                              </m:r>
+                            </m:sup>
+                          </m:sSup>
+                        </m:den>
+                      </m:f>
+                      <m:r>
+                        <a:rPr lang="en-US" sz="1400" b="0" i="1" smtClean="0">
+                          <a:latin typeface="Cambria Math" panose="02040503050406030204" pitchFamily="18" charset="0"/>
+                        </a:rPr>
+                        <m:t>=1 </m:t>
+                      </m:r>
+                      <m:r>
+                        <a:rPr lang="en-US" sz="1400" b="0" i="1" smtClean="0">
+                          <a:latin typeface="Cambria Math" panose="02040503050406030204" pitchFamily="18" charset="0"/>
+                        </a:rPr>
+                        <m:t>𝑓𝑜𝑟</m:t>
+                      </m:r>
+                      <m:r>
+                        <a:rPr lang="en-US" sz="1400" b="0" i="1" smtClean="0">
+                          <a:latin typeface="Cambria Math" panose="02040503050406030204" pitchFamily="18" charset="0"/>
+                        </a:rPr>
+                        <m:t> </m:t>
+                      </m:r>
+                      <m:r>
+                        <a:rPr lang="en-US" sz="1400" b="0" i="1" smtClean="0">
+                          <a:latin typeface="Cambria Math" panose="02040503050406030204" pitchFamily="18" charset="0"/>
+                        </a:rPr>
+                        <m:t>𝑎𝑙𝑙</m:t>
+                      </m:r>
+                      <m:r>
+                        <a:rPr lang="en-US" sz="1400" b="0" i="1" smtClean="0">
+                          <a:latin typeface="Cambria Math" panose="02040503050406030204" pitchFamily="18" charset="0"/>
+                        </a:rPr>
+                        <m:t> </m:t>
+                      </m:r>
+                      <m:r>
+                        <a:rPr lang="en-US" sz="1400" b="0" i="1" smtClean="0">
+                          <a:latin typeface="Cambria Math" panose="02040503050406030204" pitchFamily="18" charset="0"/>
+                        </a:rPr>
+                        <m:t>𝑙𝑎𝑦𝑒𝑟𝑠</m:t>
+                      </m:r>
+                      <m:r>
+                        <a:rPr lang="en-US" sz="1400" b="0" i="1" smtClean="0">
+                          <a:latin typeface="Cambria Math" panose="02040503050406030204" pitchFamily="18" charset="0"/>
+                        </a:rPr>
+                        <m:t> (</m:t>
+                      </m:r>
+                      <m:r>
+                        <a:rPr lang="en-US" sz="1400" b="0" i="1" smtClean="0">
+                          <a:latin typeface="Cambria Math" panose="02040503050406030204" pitchFamily="18" charset="0"/>
+                        </a:rPr>
+                        <m:t>𝑠𝑡𝑎𝑦𝑠</m:t>
+                      </m:r>
+                      <m:r>
+                        <a:rPr lang="en-US" sz="1400" b="0" i="1" smtClean="0">
+                          <a:latin typeface="Cambria Math" panose="02040503050406030204" pitchFamily="18" charset="0"/>
+                        </a:rPr>
+                        <m:t> </m:t>
+                      </m:r>
+                      <m:r>
+                        <a:rPr lang="en-US" sz="1400" b="0" i="1" smtClean="0">
+                          <a:latin typeface="Cambria Math" panose="02040503050406030204" pitchFamily="18" charset="0"/>
+                        </a:rPr>
+                        <m:t>𝑠𝑎𝑚𝑒</m:t>
+                      </m:r>
+                      <m:r>
+                        <a:rPr lang="en-US" sz="1400" b="0" i="1" smtClean="0">
+                          <a:latin typeface="Cambria Math" panose="02040503050406030204" pitchFamily="18" charset="0"/>
+                        </a:rPr>
+                        <m:t>)</m:t>
+                      </m:r>
+                    </m:oMath>
+                  </m:oMathPara>
+                </a14:m>
+                <a:endParaRPr lang="en-US" sz="1400" dirty="0"/>
+              </a:p>
+            </p:txBody>
+          </p:sp>
+        </mc:Choice>
+        <mc:Fallback>
+          <p:sp>
+            <p:nvSpPr>
+              <p:cNvPr id="20" name="Rectangle 19">
+                <a:extLst>
+                  <a:ext uri="{FF2B5EF4-FFF2-40B4-BE49-F238E27FC236}">
+                    <a16:creationId xmlns="" xmlns:a16="http://schemas.microsoft.com/office/drawing/2014/main" xmlns:a14="http://schemas.microsoft.com/office/drawing/2010/main" id="{1C8203EE-14DB-4E90-B4A9-996B69C97C95}"/>
+                  </a:ext>
+                </a:extLst>
+              </p:cNvPr>
+              <p:cNvSpPr>
+                <a:spLocks noRot="1" noChangeAspect="1" noMove="1" noResize="1" noEditPoints="1" noAdjustHandles="1" noChangeArrowheads="1" noChangeShapeType="1" noTextEdit="1"/>
+              </p:cNvSpPr>
+              <p:nvPr/>
+            </p:nvSpPr>
+            <p:spPr>
+              <a:xfrm>
+                <a:off x="304799" y="4665703"/>
+                <a:ext cx="6033797" cy="538289"/>
+              </a:xfrm>
+              <a:prstGeom prst="rect">
+                <a:avLst/>
+              </a:prstGeom>
+              <a:blipFill rotWithShape="0">
+                <a:blip r:embed="rId9"/>
+                <a:stretch>
+                  <a:fillRect/>
+                </a:stretch>
+              </a:blipFill>
+            </p:spPr>
+            <p:txBody>
+              <a:bodyPr/>
+              <a:lstStyle/>
+              <a:p>
+                <a:r>
+                  <a:rPr lang="en-US">
+                    <a:noFill/>
+                  </a:rPr>
+                  <a:t> </a:t>
+                </a:r>
+              </a:p>
+            </p:txBody>
+          </p:sp>
+        </mc:Fallback>
+      </mc:AlternateContent>
     </p:spTree>
     <p:extLst>
       <p:ext uri="{BB962C8B-B14F-4D97-AF65-F5344CB8AC3E}">
